--- a/vizsga1/Hálózati Infrastruktúra Tervezése és Kivitelezése ppt.pptx
+++ b/vizsga1/Hálózati Infrastruktúra Tervezése és Kivitelezése ppt.pptx
@@ -7,13 +7,14 @@
   <p:sldIdLst>
     <p:sldId id="256" r:id="rId2"/>
     <p:sldId id="257" r:id="rId3"/>
-    <p:sldId id="258" r:id="rId4"/>
-    <p:sldId id="259" r:id="rId5"/>
-    <p:sldId id="260" r:id="rId6"/>
-    <p:sldId id="265" r:id="rId7"/>
-    <p:sldId id="261" r:id="rId8"/>
-    <p:sldId id="264" r:id="rId9"/>
-    <p:sldId id="266" r:id="rId10"/>
+    <p:sldId id="268" r:id="rId4"/>
+    <p:sldId id="258" r:id="rId5"/>
+    <p:sldId id="259" r:id="rId6"/>
+    <p:sldId id="269" r:id="rId7"/>
+    <p:sldId id="267" r:id="rId8"/>
+    <p:sldId id="261" r:id="rId9"/>
+    <p:sldId id="264" r:id="rId10"/>
+    <p:sldId id="266" r:id="rId11"/>
   </p:sldIdLst>
   <p:sldSz cx="12192000" cy="6858000"/>
   <p:notesSz cx="6858000" cy="9144000"/>
@@ -365,7 +366,7 @@
           <a:p>
             <a:fld id="{EA61FFDA-4D01-43A1-8E0F-F3CCB963EDE5}" type="datetimeFigureOut">
               <a:rPr lang="hu-HU" smtClean="0"/>
-              <a:t>2025. 05. 21.</a:t>
+              <a:t>2025. 05. 28.</a:t>
             </a:fld>
             <a:endParaRPr lang="hu-HU"/>
           </a:p>
@@ -627,7 +628,7 @@
           <a:p>
             <a:fld id="{EA61FFDA-4D01-43A1-8E0F-F3CCB963EDE5}" type="datetimeFigureOut">
               <a:rPr lang="hu-HU" smtClean="0"/>
-              <a:t>2025. 05. 21.</a:t>
+              <a:t>2025. 05. 28.</a:t>
             </a:fld>
             <a:endParaRPr lang="hu-HU"/>
           </a:p>
@@ -862,7 +863,7 @@
           <a:p>
             <a:fld id="{EA61FFDA-4D01-43A1-8E0F-F3CCB963EDE5}" type="datetimeFigureOut">
               <a:rPr lang="hu-HU" smtClean="0"/>
-              <a:t>2025. 05. 21.</a:t>
+              <a:t>2025. 05. 28.</a:t>
             </a:fld>
             <a:endParaRPr lang="hu-HU"/>
           </a:p>
@@ -1102,7 +1103,7 @@
           <a:p>
             <a:fld id="{EA61FFDA-4D01-43A1-8E0F-F3CCB963EDE5}" type="datetimeFigureOut">
               <a:rPr lang="hu-HU" smtClean="0"/>
-              <a:t>2025. 05. 21.</a:t>
+              <a:t>2025. 05. 28.</a:t>
             </a:fld>
             <a:endParaRPr lang="hu-HU"/>
           </a:p>
@@ -1409,7 +1410,7 @@
           <a:p>
             <a:fld id="{EA61FFDA-4D01-43A1-8E0F-F3CCB963EDE5}" type="datetimeFigureOut">
               <a:rPr lang="hu-HU" smtClean="0"/>
-              <a:t>2025. 05. 21.</a:t>
+              <a:t>2025. 05. 28.</a:t>
             </a:fld>
             <a:endParaRPr lang="hu-HU"/>
           </a:p>
@@ -1711,7 +1712,7 @@
           <a:p>
             <a:fld id="{EA61FFDA-4D01-43A1-8E0F-F3CCB963EDE5}" type="datetimeFigureOut">
               <a:rPr lang="hu-HU" smtClean="0"/>
-              <a:t>2025. 05. 21.</a:t>
+              <a:t>2025. 05. 28.</a:t>
             </a:fld>
             <a:endParaRPr lang="hu-HU"/>
           </a:p>
@@ -2133,7 +2134,7 @@
           <a:p>
             <a:fld id="{EA61FFDA-4D01-43A1-8E0F-F3CCB963EDE5}" type="datetimeFigureOut">
               <a:rPr lang="hu-HU" smtClean="0"/>
-              <a:t>2025. 05. 21.</a:t>
+              <a:t>2025. 05. 28.</a:t>
             </a:fld>
             <a:endParaRPr lang="hu-HU"/>
           </a:p>
@@ -2228,7 +2229,7 @@
           <a:p>
             <a:fld id="{EA61FFDA-4D01-43A1-8E0F-F3CCB963EDE5}" type="datetimeFigureOut">
               <a:rPr lang="hu-HU" smtClean="0"/>
-              <a:t>2025. 05. 21.</a:t>
+              <a:t>2025. 05. 28.</a:t>
             </a:fld>
             <a:endParaRPr lang="hu-HU"/>
           </a:p>
@@ -2390,7 +2391,7 @@
           <a:p>
             <a:fld id="{EA61FFDA-4D01-43A1-8E0F-F3CCB963EDE5}" type="datetimeFigureOut">
               <a:rPr lang="hu-HU" smtClean="0"/>
-              <a:t>2025. 05. 21.</a:t>
+              <a:t>2025. 05. 28.</a:t>
             </a:fld>
             <a:endParaRPr lang="hu-HU"/>
           </a:p>
@@ -2768,7 +2769,7 @@
           <a:p>
             <a:fld id="{EA61FFDA-4D01-43A1-8E0F-F3CCB963EDE5}" type="datetimeFigureOut">
               <a:rPr lang="hu-HU" smtClean="0"/>
-              <a:t>2025. 05. 21.</a:t>
+              <a:t>2025. 05. 28.</a:t>
             </a:fld>
             <a:endParaRPr lang="hu-HU"/>
           </a:p>
@@ -3057,7 +3058,7 @@
           <a:p>
             <a:fld id="{EA61FFDA-4D01-43A1-8E0F-F3CCB963EDE5}" type="datetimeFigureOut">
               <a:rPr lang="hu-HU" smtClean="0"/>
-              <a:t>2025. 05. 21.</a:t>
+              <a:t>2025. 05. 28.</a:t>
             </a:fld>
             <a:endParaRPr lang="hu-HU"/>
           </a:p>
@@ -3268,7 +3269,7 @@
           <a:p>
             <a:fld id="{EA61FFDA-4D01-43A1-8E0F-F3CCB963EDE5}" type="datetimeFigureOut">
               <a:rPr lang="hu-HU" smtClean="0"/>
-              <a:t>2025. 05. 21.</a:t>
+              <a:t>2025. 05. 28.</a:t>
             </a:fld>
             <a:endParaRPr lang="hu-HU"/>
           </a:p>
@@ -4010,6 +4011,101 @@
   <p:clrMapOvr>
     <a:masterClrMapping/>
   </p:clrMapOvr>
+  <mc:AlternateContent xmlns:mc="http://schemas.openxmlformats.org/markup-compatibility/2006" xmlns:p159="http://schemas.microsoft.com/office/powerpoint/2015/09/main">
+    <mc:Choice Requires="p159">
+      <p:transition xmlns:p14="http://schemas.microsoft.com/office/powerpoint/2010/main" spd="slow" p14:dur="2000">
+        <p159:morph option="byObject"/>
+      </p:transition>
+    </mc:Choice>
+    <mc:Fallback xmlns="">
+      <p:transition spd="slow">
+        <p:fade/>
+      </p:transition>
+    </mc:Fallback>
+  </mc:AlternateContent>
+</p:sld>
+</file>
+
+<file path=ppt/slides/slide10.xml><?xml version="1.0" encoding="utf-8"?>
+<p:sld xmlns:a="http://schemas.openxmlformats.org/drawingml/2006/main" xmlns:r="http://schemas.openxmlformats.org/officeDocument/2006/relationships" xmlns:p="http://schemas.openxmlformats.org/presentationml/2006/main">
+  <p:cSld>
+    <p:spTree>
+      <p:nvGrpSpPr>
+        <p:cNvPr id="1" name=""/>
+        <p:cNvGrpSpPr/>
+        <p:nvPr/>
+      </p:nvGrpSpPr>
+      <p:grpSpPr>
+        <a:xfrm>
+          <a:off x="0" y="0"/>
+          <a:ext cx="0" cy="0"/>
+          <a:chOff x="0" y="0"/>
+          <a:chExt cx="0" cy="0"/>
+        </a:xfrm>
+      </p:grpSpPr>
+      <p:sp>
+        <p:nvSpPr>
+          <p:cNvPr id="2" name="Cím 1">
+            <a:extLst>
+              <a:ext uri="{FF2B5EF4-FFF2-40B4-BE49-F238E27FC236}">
+                <a16:creationId xmlns:a16="http://schemas.microsoft.com/office/drawing/2014/main" id="{9A51BC2E-D7A4-A882-4652-0965DA7C020E}"/>
+              </a:ext>
+            </a:extLst>
+          </p:cNvPr>
+          <p:cNvSpPr>
+            <a:spLocks noGrp="1"/>
+          </p:cNvSpPr>
+          <p:nvPr>
+            <p:ph type="title"/>
+          </p:nvPr>
+        </p:nvSpPr>
+        <p:spPr/>
+        <p:txBody>
+          <a:bodyPr/>
+          <a:lstStyle/>
+          <a:p>
+            <a:r>
+              <a:rPr lang="hu-HU" dirty="0"/>
+              <a:t>Köszönjük a figyelmet!</a:t>
+            </a:r>
+          </a:p>
+        </p:txBody>
+      </p:sp>
+      <p:sp>
+        <p:nvSpPr>
+          <p:cNvPr id="3" name="Tartalom helye 2">
+            <a:extLst>
+              <a:ext uri="{FF2B5EF4-FFF2-40B4-BE49-F238E27FC236}">
+                <a16:creationId xmlns:a16="http://schemas.microsoft.com/office/drawing/2014/main" id="{BF390835-3143-623D-79D2-ABD0AD0EA8F7}"/>
+              </a:ext>
+            </a:extLst>
+          </p:cNvPr>
+          <p:cNvSpPr>
+            <a:spLocks noGrp="1"/>
+          </p:cNvSpPr>
+          <p:nvPr>
+            <p:ph idx="1"/>
+          </p:nvPr>
+        </p:nvSpPr>
+        <p:spPr/>
+        <p:txBody>
+          <a:bodyPr/>
+          <a:lstStyle/>
+          <a:p>
+            <a:endParaRPr lang="hu-HU"/>
+          </a:p>
+        </p:txBody>
+      </p:sp>
+    </p:spTree>
+    <p:extLst>
+      <p:ext uri="{BB962C8B-B14F-4D97-AF65-F5344CB8AC3E}">
+        <p14:creationId xmlns:p14="http://schemas.microsoft.com/office/powerpoint/2010/main" val="1768774079"/>
+      </p:ext>
+    </p:extLst>
+  </p:cSld>
+  <p:clrMapOvr>
+    <a:masterClrMapping/>
+  </p:clrMapOvr>
   <mc:AlternateContent xmlns:mc="http://schemas.openxmlformats.org/markup-compatibility/2006">
     <mc:Choice xmlns:p159="http://schemas.microsoft.com/office/powerpoint/2015/09/main" Requires="p159">
       <p:transition xmlns:p14="http://schemas.microsoft.com/office/powerpoint/2010/main" spd="slow" p14:dur="2000">
@@ -4139,13 +4235,13 @@
   <p:clrMapOvr>
     <a:masterClrMapping/>
   </p:clrMapOvr>
-  <mc:AlternateContent xmlns:mc="http://schemas.openxmlformats.org/markup-compatibility/2006">
-    <mc:Choice xmlns:p159="http://schemas.microsoft.com/office/powerpoint/2015/09/main" Requires="p159">
+  <mc:AlternateContent xmlns:mc="http://schemas.openxmlformats.org/markup-compatibility/2006" xmlns:p159="http://schemas.microsoft.com/office/powerpoint/2015/09/main">
+    <mc:Choice Requires="p159">
       <p:transition xmlns:p14="http://schemas.microsoft.com/office/powerpoint/2010/main" spd="slow" p14:dur="2000">
         <p159:morph option="byObject"/>
       </p:transition>
     </mc:Choice>
-    <mc:Fallback>
+    <mc:Fallback xmlns="">
       <p:transition spd="slow">
         <p:fade/>
       </p:transition>
@@ -4176,7 +4272,7 @@
           <p:cNvPr id="2" name="Cím 1">
             <a:extLst>
               <a:ext uri="{FF2B5EF4-FFF2-40B4-BE49-F238E27FC236}">
-                <a16:creationId xmlns:a16="http://schemas.microsoft.com/office/drawing/2014/main" id="{7F738BCE-A299-49E5-99E5-A0ADA07ECCF2}"/>
+                <a16:creationId xmlns:a16="http://schemas.microsoft.com/office/drawing/2014/main" id="{781F1D34-8C27-B0B1-2D8E-057C83F6E721}"/>
               </a:ext>
             </a:extLst>
           </p:cNvPr>
@@ -4193,27 +4289,225 @@
           <a:lstStyle/>
           <a:p>
             <a:r>
-              <a:rPr lang="hu-HU" b="1" dirty="0">
-                <a:solidFill>
-                  <a:schemeClr val="bg2"/>
-                </a:solidFill>
-                <a:latin typeface="Arial Black" panose="020B0A04020102020204" pitchFamily="34" charset="0"/>
-              </a:rPr>
-              <a:t>Használt Eszközök</a:t>
-            </a:r>
-            <a:br>
-              <a:rPr lang="hu-HU" b="1" dirty="0"/>
-            </a:br>
-            <a:endParaRPr lang="hu-HU" dirty="0"/>
+              <a:rPr lang="hu-HU" dirty="0"/>
+              <a:t>Project tervezés</a:t>
+            </a:r>
+          </a:p>
+        </p:txBody>
+      </p:sp>
+      <p:sp>
+        <p:nvSpPr>
+          <p:cNvPr id="3" name="Tartalom helye 2">
+            <a:extLst>
+              <a:ext uri="{FF2B5EF4-FFF2-40B4-BE49-F238E27FC236}">
+                <a16:creationId xmlns:a16="http://schemas.microsoft.com/office/drawing/2014/main" id="{3EF81A04-8D69-072B-CF97-78369901AF70}"/>
+              </a:ext>
+            </a:extLst>
+          </p:cNvPr>
+          <p:cNvSpPr>
+            <a:spLocks noGrp="1"/>
+          </p:cNvSpPr>
+          <p:nvPr>
+            <p:ph idx="1"/>
+          </p:nvPr>
+        </p:nvSpPr>
+        <p:spPr>
+          <a:xfrm>
+            <a:off x="581192" y="2167970"/>
+            <a:ext cx="2681838" cy="3678303"/>
+          </a:xfrm>
+        </p:spPr>
+        <p:txBody>
+          <a:bodyPr>
+            <a:normAutofit/>
+          </a:bodyPr>
+          <a:lstStyle/>
+          <a:p>
+            <a:pPr marL="0" indent="0">
+              <a:buNone/>
+            </a:pPr>
+            <a:r>
+              <a:rPr lang="hu-HU" dirty="0">
+                <a:solidFill>
+                  <a:schemeClr val="tx1"/>
+                </a:solidFill>
+                <a:latin typeface="Times New Roman" panose="02020603050405020304" pitchFamily="18" charset="0"/>
+                <a:cs typeface="Times New Roman" panose="02020603050405020304" pitchFamily="18" charset="0"/>
+              </a:rPr>
+              <a:t>Használt Programok / Szoftverek:	</a:t>
+            </a:r>
+          </a:p>
+          <a:p>
+            <a:r>
+              <a:rPr lang="hu-HU" dirty="0">
+                <a:solidFill>
+                  <a:schemeClr val="tx1"/>
+                </a:solidFill>
+                <a:latin typeface="Times New Roman" panose="02020603050405020304" pitchFamily="18" charset="0"/>
+                <a:cs typeface="Times New Roman" panose="02020603050405020304" pitchFamily="18" charset="0"/>
+              </a:rPr>
+              <a:t>    Cisco </a:t>
+            </a:r>
+            <a:r>
+              <a:rPr lang="hu-HU" dirty="0" err="1">
+                <a:solidFill>
+                  <a:schemeClr val="tx1"/>
+                </a:solidFill>
+                <a:latin typeface="Times New Roman" panose="02020603050405020304" pitchFamily="18" charset="0"/>
+                <a:cs typeface="Times New Roman" panose="02020603050405020304" pitchFamily="18" charset="0"/>
+              </a:rPr>
+              <a:t>Packet</a:t>
+            </a:r>
+            <a:r>
+              <a:rPr lang="hu-HU" dirty="0">
+                <a:solidFill>
+                  <a:schemeClr val="tx1"/>
+                </a:solidFill>
+                <a:latin typeface="Times New Roman" panose="02020603050405020304" pitchFamily="18" charset="0"/>
+                <a:cs typeface="Times New Roman" panose="02020603050405020304" pitchFamily="18" charset="0"/>
+              </a:rPr>
+              <a:t> </a:t>
+            </a:r>
+            <a:r>
+              <a:rPr lang="hu-HU" dirty="0" err="1">
+                <a:solidFill>
+                  <a:schemeClr val="tx1"/>
+                </a:solidFill>
+                <a:latin typeface="Times New Roman" panose="02020603050405020304" pitchFamily="18" charset="0"/>
+                <a:cs typeface="Times New Roman" panose="02020603050405020304" pitchFamily="18" charset="0"/>
+              </a:rPr>
+              <a:t>Tracer</a:t>
+            </a:r>
+            <a:r>
+              <a:rPr lang="hu-HU" dirty="0">
+                <a:solidFill>
+                  <a:schemeClr val="tx1"/>
+                </a:solidFill>
+                <a:latin typeface="Times New Roman" panose="02020603050405020304" pitchFamily="18" charset="0"/>
+                <a:cs typeface="Times New Roman" panose="02020603050405020304" pitchFamily="18" charset="0"/>
+              </a:rPr>
+              <a:t> </a:t>
+            </a:r>
+          </a:p>
+          <a:p>
+            <a:r>
+              <a:rPr lang="hu-HU" dirty="0">
+                <a:solidFill>
+                  <a:schemeClr val="tx1"/>
+                </a:solidFill>
+                <a:latin typeface="Times New Roman" panose="02020603050405020304" pitchFamily="18" charset="0"/>
+                <a:cs typeface="Times New Roman" panose="02020603050405020304" pitchFamily="18" charset="0"/>
+              </a:rPr>
+              <a:t>    </a:t>
+            </a:r>
+            <a:r>
+              <a:rPr lang="hu-HU" dirty="0" err="1">
+                <a:solidFill>
+                  <a:schemeClr val="tx1"/>
+                </a:solidFill>
+                <a:latin typeface="Times New Roman" panose="02020603050405020304" pitchFamily="18" charset="0"/>
+                <a:cs typeface="Times New Roman" panose="02020603050405020304" pitchFamily="18" charset="0"/>
+              </a:rPr>
+              <a:t>Github</a:t>
+            </a:r>
+            <a:endParaRPr lang="hu-HU" dirty="0">
+              <a:solidFill>
+                <a:schemeClr val="tx1"/>
+              </a:solidFill>
+              <a:latin typeface="Times New Roman" panose="02020603050405020304" pitchFamily="18" charset="0"/>
+              <a:cs typeface="Times New Roman" panose="02020603050405020304" pitchFamily="18" charset="0"/>
+            </a:endParaRPr>
+          </a:p>
+          <a:p>
+            <a:r>
+              <a:rPr lang="hu-HU" dirty="0">
+                <a:solidFill>
+                  <a:schemeClr val="tx1"/>
+                </a:solidFill>
+                <a:latin typeface="Times New Roman" panose="02020603050405020304" pitchFamily="18" charset="0"/>
+                <a:cs typeface="Times New Roman" panose="02020603050405020304" pitchFamily="18" charset="0"/>
+              </a:rPr>
+              <a:t>    PowerPoint</a:t>
+            </a:r>
+          </a:p>
+          <a:p>
+            <a:r>
+              <a:rPr lang="hu-HU" dirty="0">
+                <a:solidFill>
+                  <a:schemeClr val="tx1"/>
+                </a:solidFill>
+                <a:latin typeface="Times New Roman" panose="02020603050405020304" pitchFamily="18" charset="0"/>
+                <a:cs typeface="Times New Roman" panose="02020603050405020304" pitchFamily="18" charset="0"/>
+              </a:rPr>
+              <a:t>    Word</a:t>
+            </a:r>
+          </a:p>
+          <a:p>
+            <a:r>
+              <a:rPr lang="hu-HU" dirty="0">
+                <a:solidFill>
+                  <a:schemeClr val="tx1"/>
+                </a:solidFill>
+                <a:latin typeface="Times New Roman" panose="02020603050405020304" pitchFamily="18" charset="0"/>
+                <a:cs typeface="Times New Roman" panose="02020603050405020304" pitchFamily="18" charset="0"/>
+              </a:rPr>
+              <a:t>    </a:t>
+            </a:r>
+            <a:r>
+              <a:rPr lang="hu-HU" dirty="0" err="1">
+                <a:solidFill>
+                  <a:schemeClr val="tx1"/>
+                </a:solidFill>
+                <a:latin typeface="Times New Roman" panose="02020603050405020304" pitchFamily="18" charset="0"/>
+                <a:cs typeface="Times New Roman" panose="02020603050405020304" pitchFamily="18" charset="0"/>
+              </a:rPr>
+              <a:t>VirtualBox</a:t>
+            </a:r>
+            <a:endParaRPr lang="hu-HU" dirty="0">
+              <a:solidFill>
+                <a:schemeClr val="tx1"/>
+              </a:solidFill>
+              <a:latin typeface="Times New Roman" panose="02020603050405020304" pitchFamily="18" charset="0"/>
+              <a:cs typeface="Times New Roman" panose="02020603050405020304" pitchFamily="18" charset="0"/>
+            </a:endParaRPr>
+          </a:p>
+          <a:p>
+            <a:r>
+              <a:rPr lang="hu-HU" dirty="0">
+                <a:solidFill>
+                  <a:schemeClr val="tx1"/>
+                </a:solidFill>
+                <a:latin typeface="Times New Roman" panose="02020603050405020304" pitchFamily="18" charset="0"/>
+                <a:cs typeface="Times New Roman" panose="02020603050405020304" pitchFamily="18" charset="0"/>
+              </a:rPr>
+              <a:t>    AWS </a:t>
+            </a:r>
+            <a:r>
+              <a:rPr lang="hu-HU" dirty="0" err="1">
+                <a:solidFill>
+                  <a:schemeClr val="tx1"/>
+                </a:solidFill>
+                <a:latin typeface="Times New Roman" panose="02020603050405020304" pitchFamily="18" charset="0"/>
+                <a:cs typeface="Times New Roman" panose="02020603050405020304" pitchFamily="18" charset="0"/>
+              </a:rPr>
+              <a:t>Academy</a:t>
+            </a:r>
+            <a:endParaRPr lang="hu-HU" dirty="0">
+              <a:solidFill>
+                <a:schemeClr val="tx1"/>
+              </a:solidFill>
+              <a:latin typeface="Times New Roman" panose="02020603050405020304" pitchFamily="18" charset="0"/>
+              <a:cs typeface="Times New Roman" panose="02020603050405020304" pitchFamily="18" charset="0"/>
+            </a:endParaRPr>
           </a:p>
         </p:txBody>
       </p:sp>
       <p:pic>
         <p:nvPicPr>
-          <p:cNvPr id="5" name="Kép 4">
+          <p:cNvPr id="6" name="Kép 5" descr="A képen clipart, szimbólum, Grafika, tervezés látható&#10;&#10;Előfordulhat, hogy a mesterséges intelligencia által létrehozott tartalom helytelen.">
             <a:extLst>
               <a:ext uri="{FF2B5EF4-FFF2-40B4-BE49-F238E27FC236}">
-                <a16:creationId xmlns:a16="http://schemas.microsoft.com/office/drawing/2014/main" id="{4AFF12F8-E2B3-4300-BDAC-80C6EEE68B61}"/>
+                <a16:creationId xmlns:a16="http://schemas.microsoft.com/office/drawing/2014/main" id="{86298A47-2699-3953-0F58-03517CBD2A17}"/>
               </a:ext>
             </a:extLst>
           </p:cNvPr>
@@ -4236,8 +4530,8 @@
         </p:blipFill>
         <p:spPr>
           <a:xfrm>
-            <a:off x="685798" y="1874523"/>
-            <a:ext cx="3657601" cy="2590800"/>
+            <a:off x="6255705" y="2167970"/>
+            <a:ext cx="1405003" cy="1405003"/>
           </a:xfrm>
           <a:prstGeom prst="rect">
             <a:avLst/>
@@ -4246,10 +4540,10 @@
       </p:pic>
       <p:pic>
         <p:nvPicPr>
-          <p:cNvPr id="7" name="Kép 6">
+          <p:cNvPr id="8" name="Kép 7" descr="A képen Betűtípus, Grafika, képernyőkép, Grafikus tervezés látható&#10;&#10;Előfordulhat, hogy a mesterséges intelligencia által létrehozott tartalom helytelen.">
             <a:extLst>
               <a:ext uri="{FF2B5EF4-FFF2-40B4-BE49-F238E27FC236}">
-                <a16:creationId xmlns:a16="http://schemas.microsoft.com/office/drawing/2014/main" id="{98A86815-86B7-4FD1-B323-DEF6FFB0BFCC}"/>
+                <a16:creationId xmlns:a16="http://schemas.microsoft.com/office/drawing/2014/main" id="{3D574935-4EA4-483C-EAAF-466DD6C932BE}"/>
               </a:ext>
             </a:extLst>
           </p:cNvPr>
@@ -4272,8 +4566,8 @@
         </p:blipFill>
         <p:spPr>
           <a:xfrm>
-            <a:off x="7953206" y="1880108"/>
-            <a:ext cx="3657602" cy="3213100"/>
+            <a:off x="8210044" y="2986032"/>
+            <a:ext cx="1681064" cy="885936"/>
           </a:xfrm>
           <a:prstGeom prst="rect">
             <a:avLst/>
@@ -4282,10 +4576,10 @@
       </p:pic>
       <p:pic>
         <p:nvPicPr>
-          <p:cNvPr id="9" name="Kép 8">
+          <p:cNvPr id="12" name="Kép 11" descr="A képen képernyőkép, Grafika, kör, embléma látható&#10;&#10;Előfordulhat, hogy a mesterséges intelligencia által létrehozott tartalom helytelen.">
             <a:extLst>
               <a:ext uri="{FF2B5EF4-FFF2-40B4-BE49-F238E27FC236}">
-                <a16:creationId xmlns:a16="http://schemas.microsoft.com/office/drawing/2014/main" id="{0C33416A-02CE-4472-90FB-412F062D855B}"/>
+                <a16:creationId xmlns:a16="http://schemas.microsoft.com/office/drawing/2014/main" id="{64C46FDF-DD01-77A4-068F-FDA6B39AE129}"/>
               </a:ext>
             </a:extLst>
           </p:cNvPr>
@@ -4308,231 +4602,126 @@
         </p:blipFill>
         <p:spPr>
           <a:xfrm>
-            <a:off x="4902202" y="3987800"/>
-            <a:ext cx="2946400" cy="2210816"/>
+            <a:off x="5854282" y="4872625"/>
+            <a:ext cx="1258593" cy="1171183"/>
           </a:xfrm>
           <a:prstGeom prst="rect">
             <a:avLst/>
           </a:prstGeom>
         </p:spPr>
       </p:pic>
-      <p:sp>
-        <p:nvSpPr>
-          <p:cNvPr id="10" name="Téglalap 9">
+      <p:pic>
+        <p:nvPicPr>
+          <p:cNvPr id="16" name="Kép 15" descr="A képen Grafika, Betűtípus, embléma, Grafikus tervezés látható&#10;&#10;Előfordulhat, hogy a mesterséges intelligencia által létrehozott tartalom helytelen.">
             <a:extLst>
               <a:ext uri="{FF2B5EF4-FFF2-40B4-BE49-F238E27FC236}">
-                <a16:creationId xmlns:a16="http://schemas.microsoft.com/office/drawing/2014/main" id="{CB717792-5ABC-41D5-B2A9-9AB8502DBA9F}"/>
+                <a16:creationId xmlns:a16="http://schemas.microsoft.com/office/drawing/2014/main" id="{FC1990B1-9326-8C1D-8A45-466DA55435FE}"/>
               </a:ext>
             </a:extLst>
           </p:cNvPr>
-          <p:cNvSpPr/>
+          <p:cNvPicPr>
+            <a:picLocks noChangeAspect="1"/>
+          </p:cNvPicPr>
           <p:nvPr/>
-        </p:nvSpPr>
-        <p:spPr>
-          <a:xfrm>
-            <a:off x="1752211" y="4623890"/>
-            <a:ext cx="1524776" cy="405367"/>
+        </p:nvPicPr>
+        <p:blipFill>
+          <a:blip r:embed="rId5">
+            <a:extLst>
+              <a:ext uri="{28A0092B-C50C-407E-A947-70E740481C1C}">
+                <a14:useLocalDpi xmlns:a14="http://schemas.microsoft.com/office/drawing/2010/main" val="0"/>
+              </a:ext>
+            </a:extLst>
+          </a:blip>
+          <a:stretch>
+            <a:fillRect/>
+          </a:stretch>
+        </p:blipFill>
+        <p:spPr>
+          <a:xfrm>
+            <a:off x="9970718" y="5834415"/>
+            <a:ext cx="1446899" cy="867009"/>
           </a:xfrm>
           <a:prstGeom prst="rect">
             <a:avLst/>
           </a:prstGeom>
         </p:spPr>
-        <p:txBody>
-          <a:bodyPr wrap="none">
-            <a:spAutoFit/>
-          </a:bodyPr>
-          <a:lstStyle/>
-          <a:p>
-            <a:pPr algn="ctr">
-              <a:lnSpc>
-                <a:spcPct val="107000"/>
-              </a:lnSpc>
-              <a:spcBef>
-                <a:spcPts val="200"/>
-              </a:spcBef>
-              <a:spcAft>
-                <a:spcPts val="0"/>
-              </a:spcAft>
-            </a:pPr>
-            <a:r>
-              <a:rPr lang="hu-HU" sz="2000" b="1" dirty="0">
-                <a:solidFill>
-                  <a:srgbClr val="000000"/>
-                </a:solidFill>
-                <a:latin typeface="Times New Roman" panose="02020603050405020304" pitchFamily="18" charset="0"/>
-                <a:ea typeface="Times New Roman" panose="02020603050405020304" pitchFamily="18" charset="0"/>
-                <a:cs typeface="Times New Roman" panose="02020603050405020304" pitchFamily="18" charset="0"/>
-              </a:rPr>
-              <a:t>1841</a:t>
-            </a:r>
-            <a:r>
-              <a:rPr lang="hu-HU" sz="2000" b="1" dirty="0">
-                <a:solidFill>
-                  <a:srgbClr val="000000"/>
-                </a:solidFill>
-                <a:latin typeface="Calibri Light" panose="020F0302020204030204" pitchFamily="34" charset="0"/>
-                <a:ea typeface="Times New Roman" panose="02020603050405020304" pitchFamily="18" charset="0"/>
-                <a:cs typeface="Times New Roman" panose="02020603050405020304" pitchFamily="18" charset="0"/>
-              </a:rPr>
-              <a:t> </a:t>
-            </a:r>
-            <a:r>
-              <a:rPr lang="hu-HU" sz="2000" b="1" dirty="0">
-                <a:solidFill>
-                  <a:srgbClr val="000000"/>
-                </a:solidFill>
-                <a:latin typeface="Times New Roman" panose="02020603050405020304" pitchFamily="18" charset="0"/>
-                <a:ea typeface="Times New Roman" panose="02020603050405020304" pitchFamily="18" charset="0"/>
-                <a:cs typeface="Times New Roman" panose="02020603050405020304" pitchFamily="18" charset="0"/>
-              </a:rPr>
-              <a:t>Router</a:t>
-            </a:r>
-            <a:endParaRPr lang="hu-HU" sz="2000" b="1" dirty="0">
-              <a:solidFill>
-                <a:srgbClr val="2F5496"/>
-              </a:solidFill>
-              <a:effectLst/>
-              <a:latin typeface="Calibri Light" panose="020F0302020204030204" pitchFamily="34" charset="0"/>
-              <a:ea typeface="Times New Roman" panose="02020603050405020304" pitchFamily="18" charset="0"/>
-              <a:cs typeface="Times New Roman" panose="02020603050405020304" pitchFamily="18" charset="0"/>
-            </a:endParaRPr>
-          </a:p>
-        </p:txBody>
-      </p:sp>
-      <p:sp>
-        <p:nvSpPr>
-          <p:cNvPr id="11" name="Téglalap 10">
+      </p:pic>
+      <p:pic>
+        <p:nvPicPr>
+          <p:cNvPr id="18" name="Kép 17" descr="A képen képernyőkép, Acélkék, Grafika, Betűtípus látható&#10;&#10;Előfordulhat, hogy a mesterséges intelligencia által létrehozott tartalom helytelen.">
             <a:extLst>
               <a:ext uri="{FF2B5EF4-FFF2-40B4-BE49-F238E27FC236}">
-                <a16:creationId xmlns:a16="http://schemas.microsoft.com/office/drawing/2014/main" id="{988513B6-BFAB-4B90-8621-68FF0F2121EB}"/>
+                <a16:creationId xmlns:a16="http://schemas.microsoft.com/office/drawing/2014/main" id="{E3C59686-17FC-DBB4-2083-EADF4FD55681}"/>
               </a:ext>
             </a:extLst>
           </p:cNvPr>
-          <p:cNvSpPr/>
+          <p:cNvPicPr>
+            <a:picLocks noChangeAspect="1"/>
+          </p:cNvPicPr>
           <p:nvPr/>
-        </p:nvSpPr>
-        <p:spPr>
-          <a:xfrm>
-            <a:off x="9059696" y="4523746"/>
-            <a:ext cx="1794209" cy="369332"/>
+        </p:nvPicPr>
+        <p:blipFill>
+          <a:blip r:embed="rId6">
+            <a:extLst>
+              <a:ext uri="{28A0092B-C50C-407E-A947-70E740481C1C}">
+                <a14:useLocalDpi xmlns:a14="http://schemas.microsoft.com/office/drawing/2010/main" val="0"/>
+              </a:ext>
+            </a:extLst>
+          </a:blip>
+          <a:stretch>
+            <a:fillRect/>
+          </a:stretch>
+        </p:blipFill>
+        <p:spPr>
+          <a:xfrm>
+            <a:off x="10603283" y="2243603"/>
+            <a:ext cx="1108554" cy="1032056"/>
           </a:xfrm>
           <a:prstGeom prst="rect">
             <a:avLst/>
           </a:prstGeom>
         </p:spPr>
-        <p:txBody>
-          <a:bodyPr wrap="none">
-            <a:spAutoFit/>
-          </a:bodyPr>
-          <a:lstStyle/>
-          <a:p>
-            <a:r>
-              <a:rPr lang="hu-HU" b="1" dirty="0">
-                <a:latin typeface="Times New Roman" panose="02020603050405020304" pitchFamily="18" charset="0"/>
-                <a:ea typeface="Calibri" panose="020F0502020204030204" pitchFamily="34" charset="0"/>
-              </a:rPr>
-              <a:t>Cisco ASA 5505</a:t>
-            </a:r>
-            <a:r>
-              <a:rPr lang="hu-HU" dirty="0">
-                <a:latin typeface="Times New Roman" panose="02020603050405020304" pitchFamily="18" charset="0"/>
-                <a:ea typeface="Calibri" panose="020F0502020204030204" pitchFamily="34" charset="0"/>
-              </a:rPr>
-              <a:t> </a:t>
-            </a:r>
-            <a:endParaRPr lang="hu-HU" dirty="0"/>
-          </a:p>
-        </p:txBody>
-      </p:sp>
-      <p:sp>
-        <p:nvSpPr>
-          <p:cNvPr id="12" name="Téglalap 11">
+      </p:pic>
+      <p:pic>
+        <p:nvPicPr>
+          <p:cNvPr id="22" name="Kép 21" descr="A képen szöveg, doboz, embléma, Márka látható&#10;&#10;Előfordulhat, hogy a mesterséges intelligencia által létrehozott tartalom helytelen.">
             <a:extLst>
               <a:ext uri="{FF2B5EF4-FFF2-40B4-BE49-F238E27FC236}">
-                <a16:creationId xmlns:a16="http://schemas.microsoft.com/office/drawing/2014/main" id="{76A4BDFA-41BC-4119-93D1-C3B21362816F}"/>
+                <a16:creationId xmlns:a16="http://schemas.microsoft.com/office/drawing/2014/main" id="{3E868141-426F-A17F-BB4D-CF254A250944}"/>
               </a:ext>
             </a:extLst>
           </p:cNvPr>
-          <p:cNvSpPr/>
+          <p:cNvPicPr>
+            <a:picLocks noChangeAspect="1"/>
+          </p:cNvPicPr>
           <p:nvPr/>
-        </p:nvSpPr>
-        <p:spPr>
-          <a:xfrm>
-            <a:off x="3441700" y="6013451"/>
-            <a:ext cx="6096000" cy="670440"/>
+        </p:nvPicPr>
+        <p:blipFill>
+          <a:blip r:embed="rId7">
+            <a:extLst>
+              <a:ext uri="{28A0092B-C50C-407E-A947-70E740481C1C}">
+                <a14:useLocalDpi xmlns:a14="http://schemas.microsoft.com/office/drawing/2010/main" val="0"/>
+              </a:ext>
+            </a:extLst>
+          </a:blip>
+          <a:stretch>
+            <a:fillRect/>
+          </a:stretch>
+        </p:blipFill>
+        <p:spPr>
+          <a:xfrm>
+            <a:off x="8352218" y="4378890"/>
+            <a:ext cx="1251559" cy="1251559"/>
           </a:xfrm>
           <a:prstGeom prst="rect">
             <a:avLst/>
           </a:prstGeom>
         </p:spPr>
-        <p:txBody>
-          <a:bodyPr>
-            <a:spAutoFit/>
-          </a:bodyPr>
-          <a:lstStyle/>
-          <a:p>
-            <a:pPr algn="ctr">
-              <a:lnSpc>
-                <a:spcPct val="107000"/>
-              </a:lnSpc>
-              <a:spcBef>
-                <a:spcPts val="200"/>
-              </a:spcBef>
-              <a:spcAft>
-                <a:spcPts val="0"/>
-              </a:spcAft>
-            </a:pPr>
-            <a:r>
-              <a:rPr lang="hu-HU" b="1" dirty="0">
-                <a:solidFill>
-                  <a:srgbClr val="000000"/>
-                </a:solidFill>
-                <a:latin typeface="Times New Roman" panose="02020603050405020304" pitchFamily="18" charset="0"/>
-                <a:ea typeface="Times New Roman" panose="02020603050405020304" pitchFamily="18" charset="0"/>
-                <a:cs typeface="Times New Roman" panose="02020603050405020304" pitchFamily="18" charset="0"/>
-              </a:rPr>
-              <a:t>2960-24TT Switch</a:t>
-            </a:r>
-            <a:endParaRPr lang="hu-HU" sz="1100" b="1" dirty="0">
-              <a:solidFill>
-                <a:srgbClr val="2F5496"/>
-              </a:solidFill>
-              <a:effectLst/>
-              <a:latin typeface="Calibri Light" panose="020F0302020204030204" pitchFamily="34" charset="0"/>
-              <a:ea typeface="Times New Roman" panose="02020603050405020304" pitchFamily="18" charset="0"/>
-              <a:cs typeface="Times New Roman" panose="02020603050405020304" pitchFamily="18" charset="0"/>
-            </a:endParaRPr>
-          </a:p>
-          <a:p>
-            <a:pPr algn="ctr">
-              <a:lnSpc>
-                <a:spcPct val="107000"/>
-              </a:lnSpc>
-              <a:spcAft>
-                <a:spcPts val="800"/>
-              </a:spcAft>
-            </a:pPr>
-            <a:r>
-              <a:rPr lang="hu-HU" dirty="0">
-                <a:latin typeface="Times New Roman" panose="02020603050405020304" pitchFamily="18" charset="0"/>
-                <a:ea typeface="Calibri" panose="020F0502020204030204" pitchFamily="34" charset="0"/>
-                <a:cs typeface="Times New Roman" panose="02020603050405020304" pitchFamily="18" charset="0"/>
-              </a:rPr>
-              <a:t> </a:t>
-            </a:r>
-            <a:endParaRPr lang="hu-HU" sz="1000" dirty="0">
-              <a:effectLst/>
-              <a:latin typeface="Calibri" panose="020F0502020204030204" pitchFamily="34" charset="0"/>
-              <a:ea typeface="Calibri" panose="020F0502020204030204" pitchFamily="34" charset="0"/>
-              <a:cs typeface="Times New Roman" panose="02020603050405020304" pitchFamily="18" charset="0"/>
-            </a:endParaRPr>
-          </a:p>
-        </p:txBody>
-      </p:sp>
+      </p:pic>
     </p:spTree>
     <p:extLst>
       <p:ext uri="{BB962C8B-B14F-4D97-AF65-F5344CB8AC3E}">
-        <p14:creationId xmlns:p14="http://schemas.microsoft.com/office/powerpoint/2010/main" val="3961289761"/>
+        <p14:creationId xmlns:p14="http://schemas.microsoft.com/office/powerpoint/2010/main" val="1614566015"/>
       </p:ext>
     </p:extLst>
   </p:cSld>
@@ -4576,7 +4765,7 @@
           <p:cNvPr id="2" name="Cím 1">
             <a:extLst>
               <a:ext uri="{FF2B5EF4-FFF2-40B4-BE49-F238E27FC236}">
-                <a16:creationId xmlns:a16="http://schemas.microsoft.com/office/drawing/2014/main" id="{36B84E48-CE66-4EDD-BB09-D48028E7A3D2}"/>
+                <a16:creationId xmlns:a16="http://schemas.microsoft.com/office/drawing/2014/main" id="{7F738BCE-A299-49E5-99E5-A0ADA07ECCF2}"/>
               </a:ext>
             </a:extLst>
           </p:cNvPr>
@@ -4594,49 +4783,17 @@
           <a:p>
             <a:r>
               <a:rPr lang="hu-HU" b="1" dirty="0">
+                <a:solidFill>
+                  <a:schemeClr val="bg2"/>
+                </a:solidFill>
                 <a:latin typeface="Arial Black" panose="020B0A04020102020204" pitchFamily="34" charset="0"/>
               </a:rPr>
-              <a:t>Fizikai</a:t>
-            </a:r>
-            <a:r>
-              <a:rPr lang="hu-HU" b="1" dirty="0"/>
-              <a:t> </a:t>
-            </a:r>
-            <a:r>
-              <a:rPr lang="hu-HU" b="1" dirty="0">
-                <a:latin typeface="Arial Black" panose="020B0A04020102020204" pitchFamily="34" charset="0"/>
-              </a:rPr>
-              <a:t>topológia</a:t>
+              <a:t>Használt Eszközök</a:t>
             </a:r>
             <a:br>
               <a:rPr lang="hu-HU" b="1" dirty="0"/>
             </a:br>
             <a:endParaRPr lang="hu-HU" dirty="0"/>
-          </a:p>
-        </p:txBody>
-      </p:sp>
-      <p:sp>
-        <p:nvSpPr>
-          <p:cNvPr id="4" name="Tartalom helye 3">
-            <a:extLst>
-              <a:ext uri="{FF2B5EF4-FFF2-40B4-BE49-F238E27FC236}">
-                <a16:creationId xmlns:a16="http://schemas.microsoft.com/office/drawing/2014/main" id="{BD25ABBF-D512-4C5B-91CB-3FE3C725E76B}"/>
-              </a:ext>
-            </a:extLst>
-          </p:cNvPr>
-          <p:cNvSpPr>
-            <a:spLocks noGrp="1"/>
-          </p:cNvSpPr>
-          <p:nvPr>
-            <p:ph idx="1"/>
-          </p:nvPr>
-        </p:nvSpPr>
-        <p:spPr/>
-        <p:txBody>
-          <a:bodyPr/>
-          <a:lstStyle/>
-          <a:p>
-            <a:endParaRPr lang="hu-HU"/>
           </a:p>
         </p:txBody>
       </p:sp>
@@ -4645,7 +4802,7 @@
           <p:cNvPr id="5" name="Kép 4">
             <a:extLst>
               <a:ext uri="{FF2B5EF4-FFF2-40B4-BE49-F238E27FC236}">
-                <a16:creationId xmlns:a16="http://schemas.microsoft.com/office/drawing/2014/main" id="{278B69EA-81EF-4200-B210-5A8FB392ED4B}"/>
+                <a16:creationId xmlns:a16="http://schemas.microsoft.com/office/drawing/2014/main" id="{4AFF12F8-E2B3-4300-BDAC-80C6EEE68B61}"/>
               </a:ext>
             </a:extLst>
           </p:cNvPr>
@@ -4655,27 +4812,318 @@
           <p:nvPr/>
         </p:nvPicPr>
         <p:blipFill>
-          <a:blip r:embed="rId2"/>
+          <a:blip r:embed="rId2">
+            <a:extLst>
+              <a:ext uri="{28A0092B-C50C-407E-A947-70E740481C1C}">
+                <a14:useLocalDpi xmlns:a14="http://schemas.microsoft.com/office/drawing/2010/main" val="0"/>
+              </a:ext>
+            </a:extLst>
+          </a:blip>
           <a:stretch>
             <a:fillRect/>
           </a:stretch>
         </p:blipFill>
         <p:spPr>
           <a:xfrm>
-            <a:off x="389727" y="1909565"/>
-            <a:ext cx="11412543" cy="4220164"/>
+            <a:off x="685798" y="1874523"/>
+            <a:ext cx="3657601" cy="2590800"/>
           </a:xfrm>
           <a:prstGeom prst="rect">
             <a:avLst/>
           </a:prstGeom>
         </p:spPr>
       </p:pic>
-      <p:sp>
-        <p:nvSpPr>
-          <p:cNvPr id="3" name="Szövegdoboz 2">
+      <p:pic>
+        <p:nvPicPr>
+          <p:cNvPr id="7" name="Kép 6">
             <a:extLst>
               <a:ext uri="{FF2B5EF4-FFF2-40B4-BE49-F238E27FC236}">
-                <a16:creationId xmlns:a16="http://schemas.microsoft.com/office/drawing/2014/main" id="{2B8F7127-A851-D264-86D5-6547B7C60E17}"/>
+                <a16:creationId xmlns:a16="http://schemas.microsoft.com/office/drawing/2014/main" id="{98A86815-86B7-4FD1-B323-DEF6FFB0BFCC}"/>
+              </a:ext>
+            </a:extLst>
+          </p:cNvPr>
+          <p:cNvPicPr>
+            <a:picLocks noChangeAspect="1"/>
+          </p:cNvPicPr>
+          <p:nvPr/>
+        </p:nvPicPr>
+        <p:blipFill>
+          <a:blip r:embed="rId3">
+            <a:extLst>
+              <a:ext uri="{28A0092B-C50C-407E-A947-70E740481C1C}">
+                <a14:useLocalDpi xmlns:a14="http://schemas.microsoft.com/office/drawing/2010/main" val="0"/>
+              </a:ext>
+            </a:extLst>
+          </a:blip>
+          <a:stretch>
+            <a:fillRect/>
+          </a:stretch>
+        </p:blipFill>
+        <p:spPr>
+          <a:xfrm>
+            <a:off x="7953206" y="1880108"/>
+            <a:ext cx="3657602" cy="3213100"/>
+          </a:xfrm>
+          <a:prstGeom prst="rect">
+            <a:avLst/>
+          </a:prstGeom>
+        </p:spPr>
+      </p:pic>
+      <p:pic>
+        <p:nvPicPr>
+          <p:cNvPr id="9" name="Kép 8">
+            <a:extLst>
+              <a:ext uri="{FF2B5EF4-FFF2-40B4-BE49-F238E27FC236}">
+                <a16:creationId xmlns:a16="http://schemas.microsoft.com/office/drawing/2014/main" id="{0C33416A-02CE-4472-90FB-412F062D855B}"/>
+              </a:ext>
+            </a:extLst>
+          </p:cNvPr>
+          <p:cNvPicPr>
+            <a:picLocks noChangeAspect="1"/>
+          </p:cNvPicPr>
+          <p:nvPr/>
+        </p:nvPicPr>
+        <p:blipFill>
+          <a:blip r:embed="rId4">
+            <a:extLst>
+              <a:ext uri="{28A0092B-C50C-407E-A947-70E740481C1C}">
+                <a14:useLocalDpi xmlns:a14="http://schemas.microsoft.com/office/drawing/2010/main" val="0"/>
+              </a:ext>
+            </a:extLst>
+          </a:blip>
+          <a:stretch>
+            <a:fillRect/>
+          </a:stretch>
+        </p:blipFill>
+        <p:spPr>
+          <a:xfrm>
+            <a:off x="4707105" y="2818441"/>
+            <a:ext cx="2946400" cy="2210816"/>
+          </a:xfrm>
+          <a:prstGeom prst="rect">
+            <a:avLst/>
+          </a:prstGeom>
+        </p:spPr>
+      </p:pic>
+      <p:sp>
+        <p:nvSpPr>
+          <p:cNvPr id="10" name="Téglalap 9">
+            <a:extLst>
+              <a:ext uri="{FF2B5EF4-FFF2-40B4-BE49-F238E27FC236}">
+                <a16:creationId xmlns:a16="http://schemas.microsoft.com/office/drawing/2014/main" id="{CB717792-5ABC-41D5-B2A9-9AB8502DBA9F}"/>
+              </a:ext>
+            </a:extLst>
+          </p:cNvPr>
+          <p:cNvSpPr/>
+          <p:nvPr/>
+        </p:nvSpPr>
+        <p:spPr>
+          <a:xfrm>
+            <a:off x="1752211" y="4623890"/>
+            <a:ext cx="1524776" cy="405367"/>
+          </a:xfrm>
+          <a:prstGeom prst="rect">
+            <a:avLst/>
+          </a:prstGeom>
+        </p:spPr>
+        <p:txBody>
+          <a:bodyPr wrap="none">
+            <a:spAutoFit/>
+          </a:bodyPr>
+          <a:lstStyle/>
+          <a:p>
+            <a:pPr algn="ctr">
+              <a:lnSpc>
+                <a:spcPct val="107000"/>
+              </a:lnSpc>
+              <a:spcBef>
+                <a:spcPts val="200"/>
+              </a:spcBef>
+              <a:spcAft>
+                <a:spcPts val="0"/>
+              </a:spcAft>
+            </a:pPr>
+            <a:r>
+              <a:rPr lang="hu-HU" sz="2000" b="1" dirty="0">
+                <a:solidFill>
+                  <a:srgbClr val="000000"/>
+                </a:solidFill>
+                <a:latin typeface="Times New Roman" panose="02020603050405020304" pitchFamily="18" charset="0"/>
+                <a:ea typeface="Times New Roman" panose="02020603050405020304" pitchFamily="18" charset="0"/>
+                <a:cs typeface="Times New Roman" panose="02020603050405020304" pitchFamily="18" charset="0"/>
+              </a:rPr>
+              <a:t>1841</a:t>
+            </a:r>
+            <a:r>
+              <a:rPr lang="hu-HU" sz="2000" b="1" dirty="0">
+                <a:solidFill>
+                  <a:srgbClr val="000000"/>
+                </a:solidFill>
+                <a:latin typeface="Calibri Light" panose="020F0302020204030204" pitchFamily="34" charset="0"/>
+                <a:ea typeface="Times New Roman" panose="02020603050405020304" pitchFamily="18" charset="0"/>
+                <a:cs typeface="Times New Roman" panose="02020603050405020304" pitchFamily="18" charset="0"/>
+              </a:rPr>
+              <a:t> </a:t>
+            </a:r>
+            <a:r>
+              <a:rPr lang="hu-HU" sz="2000" b="1" dirty="0">
+                <a:solidFill>
+                  <a:srgbClr val="000000"/>
+                </a:solidFill>
+                <a:latin typeface="Times New Roman" panose="02020603050405020304" pitchFamily="18" charset="0"/>
+                <a:ea typeface="Times New Roman" panose="02020603050405020304" pitchFamily="18" charset="0"/>
+                <a:cs typeface="Times New Roman" panose="02020603050405020304" pitchFamily="18" charset="0"/>
+              </a:rPr>
+              <a:t>Router</a:t>
+            </a:r>
+            <a:endParaRPr lang="hu-HU" sz="2000" b="1" dirty="0">
+              <a:solidFill>
+                <a:srgbClr val="2F5496"/>
+              </a:solidFill>
+              <a:effectLst/>
+              <a:latin typeface="Calibri Light" panose="020F0302020204030204" pitchFamily="34" charset="0"/>
+              <a:ea typeface="Times New Roman" panose="02020603050405020304" pitchFamily="18" charset="0"/>
+              <a:cs typeface="Times New Roman" panose="02020603050405020304" pitchFamily="18" charset="0"/>
+            </a:endParaRPr>
+          </a:p>
+        </p:txBody>
+      </p:sp>
+      <p:sp>
+        <p:nvSpPr>
+          <p:cNvPr id="11" name="Téglalap 10">
+            <a:extLst>
+              <a:ext uri="{FF2B5EF4-FFF2-40B4-BE49-F238E27FC236}">
+                <a16:creationId xmlns:a16="http://schemas.microsoft.com/office/drawing/2014/main" id="{988513B6-BFAB-4B90-8621-68FF0F2121EB}"/>
+              </a:ext>
+            </a:extLst>
+          </p:cNvPr>
+          <p:cNvSpPr/>
+          <p:nvPr/>
+        </p:nvSpPr>
+        <p:spPr>
+          <a:xfrm>
+            <a:off x="9059696" y="4523746"/>
+            <a:ext cx="1794209" cy="369332"/>
+          </a:xfrm>
+          <a:prstGeom prst="rect">
+            <a:avLst/>
+          </a:prstGeom>
+        </p:spPr>
+        <p:txBody>
+          <a:bodyPr wrap="none">
+            <a:spAutoFit/>
+          </a:bodyPr>
+          <a:lstStyle/>
+          <a:p>
+            <a:r>
+              <a:rPr lang="hu-HU" b="1" dirty="0">
+                <a:latin typeface="Times New Roman" panose="02020603050405020304" pitchFamily="18" charset="0"/>
+                <a:ea typeface="Calibri" panose="020F0502020204030204" pitchFamily="34" charset="0"/>
+              </a:rPr>
+              <a:t>Cisco ASA 5505</a:t>
+            </a:r>
+            <a:r>
+              <a:rPr lang="hu-HU" dirty="0">
+                <a:latin typeface="Times New Roman" panose="02020603050405020304" pitchFamily="18" charset="0"/>
+                <a:ea typeface="Calibri" panose="020F0502020204030204" pitchFamily="34" charset="0"/>
+              </a:rPr>
+              <a:t> </a:t>
+            </a:r>
+            <a:endParaRPr lang="hu-HU" dirty="0"/>
+          </a:p>
+        </p:txBody>
+      </p:sp>
+      <p:sp>
+        <p:nvSpPr>
+          <p:cNvPr id="12" name="Téglalap 11">
+            <a:extLst>
+              <a:ext uri="{FF2B5EF4-FFF2-40B4-BE49-F238E27FC236}">
+                <a16:creationId xmlns:a16="http://schemas.microsoft.com/office/drawing/2014/main" id="{76A4BDFA-41BC-4119-93D1-C3B21362816F}"/>
+              </a:ext>
+            </a:extLst>
+          </p:cNvPr>
+          <p:cNvSpPr/>
+          <p:nvPr/>
+        </p:nvSpPr>
+        <p:spPr>
+          <a:xfrm>
+            <a:off x="3132305" y="5105787"/>
+            <a:ext cx="6096000" cy="670440"/>
+          </a:xfrm>
+          <a:prstGeom prst="rect">
+            <a:avLst/>
+          </a:prstGeom>
+        </p:spPr>
+        <p:txBody>
+          <a:bodyPr>
+            <a:spAutoFit/>
+          </a:bodyPr>
+          <a:lstStyle/>
+          <a:p>
+            <a:pPr algn="ctr">
+              <a:lnSpc>
+                <a:spcPct val="107000"/>
+              </a:lnSpc>
+              <a:spcBef>
+                <a:spcPts val="200"/>
+              </a:spcBef>
+              <a:spcAft>
+                <a:spcPts val="0"/>
+              </a:spcAft>
+            </a:pPr>
+            <a:r>
+              <a:rPr lang="hu-HU" b="1" dirty="0">
+                <a:solidFill>
+                  <a:srgbClr val="000000"/>
+                </a:solidFill>
+                <a:latin typeface="Times New Roman" panose="02020603050405020304" pitchFamily="18" charset="0"/>
+                <a:ea typeface="Times New Roman" panose="02020603050405020304" pitchFamily="18" charset="0"/>
+                <a:cs typeface="Times New Roman" panose="02020603050405020304" pitchFamily="18" charset="0"/>
+              </a:rPr>
+              <a:t>2960-24TT Switch</a:t>
+            </a:r>
+            <a:endParaRPr lang="hu-HU" sz="1100" b="1" dirty="0">
+              <a:solidFill>
+                <a:srgbClr val="2F5496"/>
+              </a:solidFill>
+              <a:effectLst/>
+              <a:latin typeface="Calibri Light" panose="020F0302020204030204" pitchFamily="34" charset="0"/>
+              <a:ea typeface="Times New Roman" panose="02020603050405020304" pitchFamily="18" charset="0"/>
+              <a:cs typeface="Times New Roman" panose="02020603050405020304" pitchFamily="18" charset="0"/>
+            </a:endParaRPr>
+          </a:p>
+          <a:p>
+            <a:pPr algn="ctr">
+              <a:lnSpc>
+                <a:spcPct val="107000"/>
+              </a:lnSpc>
+              <a:spcAft>
+                <a:spcPts val="800"/>
+              </a:spcAft>
+            </a:pPr>
+            <a:r>
+              <a:rPr lang="hu-HU" dirty="0">
+                <a:latin typeface="Times New Roman" panose="02020603050405020304" pitchFamily="18" charset="0"/>
+                <a:ea typeface="Calibri" panose="020F0502020204030204" pitchFamily="34" charset="0"/>
+                <a:cs typeface="Times New Roman" panose="02020603050405020304" pitchFamily="18" charset="0"/>
+              </a:rPr>
+              <a:t> </a:t>
+            </a:r>
+            <a:endParaRPr lang="hu-HU" sz="1000" dirty="0">
+              <a:effectLst/>
+              <a:latin typeface="Calibri" panose="020F0502020204030204" pitchFamily="34" charset="0"/>
+              <a:ea typeface="Calibri" panose="020F0502020204030204" pitchFamily="34" charset="0"/>
+              <a:cs typeface="Times New Roman" panose="02020603050405020304" pitchFamily="18" charset="0"/>
+            </a:endParaRPr>
+          </a:p>
+        </p:txBody>
+      </p:sp>
+      <p:sp>
+        <p:nvSpPr>
+          <p:cNvPr id="4" name="Szövegdoboz 3">
+            <a:extLst>
+              <a:ext uri="{FF2B5EF4-FFF2-40B4-BE49-F238E27FC236}">
+                <a16:creationId xmlns:a16="http://schemas.microsoft.com/office/drawing/2014/main" id="{F1E2D799-BF16-94F7-4A8D-8AAB3CD5D15D}"/>
               </a:ext>
             </a:extLst>
           </p:cNvPr>
@@ -4684,8 +5132,8 @@
         </p:nvSpPr>
         <p:spPr>
           <a:xfrm>
-            <a:off x="389727" y="6155844"/>
-            <a:ext cx="1235723" cy="553998"/>
+            <a:off x="0" y="5148342"/>
+            <a:ext cx="4504673" cy="954107"/>
           </a:xfrm>
           <a:prstGeom prst="rect">
             <a:avLst/>
@@ -4693,36 +5141,27 @@
           <a:noFill/>
         </p:spPr>
         <p:txBody>
-          <a:bodyPr wrap="none" rtlCol="0">
+          <a:bodyPr wrap="square">
             <a:spAutoFit/>
           </a:bodyPr>
           <a:lstStyle/>
           <a:p>
-            <a:pPr algn="ctr"/>
-            <a:r>
-              <a:rPr lang="hu-HU" sz="1200" b="1" i="1" dirty="0">
-                <a:latin typeface="Gill Sans MT" panose="020B0502020104020203" pitchFamily="34" charset="-18"/>
-                <a:cs typeface="Calibri" panose="020F0502020204030204" pitchFamily="34" charset="0"/>
-              </a:rPr>
-              <a:t>Keleti Telephely</a:t>
-            </a:r>
-            <a:endParaRPr lang="hu-HU" sz="1200" i="1" dirty="0">
-              <a:latin typeface="Gill Sans MT" panose="020B0502020104020203" pitchFamily="34" charset="-18"/>
-              <a:cs typeface="Calibri" panose="020F0502020204030204" pitchFamily="34" charset="0"/>
-            </a:endParaRPr>
-          </a:p>
-          <a:p>
-            <a:pPr algn="ctr"/>
-            <a:endParaRPr lang="hu-HU" dirty="0"/>
-          </a:p>
-        </p:txBody>
-      </p:sp>
-      <p:sp>
-        <p:nvSpPr>
-          <p:cNvPr id="6" name="Szövegdoboz 5">
+            <a:r>
+              <a:rPr lang="hu-HU" sz="1400" dirty="0">
+                <a:effectLst/>
+              </a:rPr>
+              <a:t>1841-es routert használtuk a három telephely közötti kapcsolat létrehozására, amelyeken működik DHCP az IP címek kiosztására, valamint HSRP a redundáns kapcsolat miatt</a:t>
+            </a:r>
+            <a:endParaRPr lang="hu-HU" sz="1400" dirty="0"/>
+          </a:p>
+        </p:txBody>
+      </p:sp>
+      <p:sp>
+        <p:nvSpPr>
+          <p:cNvPr id="8" name="Szövegdoboz 7">
             <a:extLst>
               <a:ext uri="{FF2B5EF4-FFF2-40B4-BE49-F238E27FC236}">
-                <a16:creationId xmlns:a16="http://schemas.microsoft.com/office/drawing/2014/main" id="{6ECCBFBB-0A47-86A1-0B7C-3EC41F75FD7C}"/>
+                <a16:creationId xmlns:a16="http://schemas.microsoft.com/office/drawing/2014/main" id="{55E1B504-DC75-9D33-A08B-3C879E47AEB1}"/>
               </a:ext>
             </a:extLst>
           </p:cNvPr>
@@ -4731,8 +5170,8 @@
         </p:nvSpPr>
         <p:spPr>
           <a:xfrm>
-            <a:off x="4146866" y="6161409"/>
-            <a:ext cx="777777" cy="553998"/>
+            <a:off x="7953206" y="5158657"/>
+            <a:ext cx="3756242" cy="738664"/>
           </a:xfrm>
           <a:prstGeom prst="rect">
             <a:avLst/>
@@ -4740,94 +5179,50 @@
           <a:noFill/>
         </p:spPr>
         <p:txBody>
-          <a:bodyPr wrap="none" rtlCol="0">
+          <a:bodyPr wrap="square">
             <a:spAutoFit/>
           </a:bodyPr>
           <a:lstStyle/>
           <a:p>
-            <a:pPr algn="ctr"/>
-            <a:r>
-              <a:rPr lang="hu-HU" sz="1200" b="1" i="1" dirty="0">
-                <a:latin typeface="Gill Sans MT" panose="020B0502020104020203" pitchFamily="34" charset="-18"/>
-                <a:cs typeface="Calibri" panose="020F0502020204030204" pitchFamily="34" charset="0"/>
-              </a:rPr>
-              <a:t>Centrum</a:t>
-            </a:r>
-            <a:endParaRPr lang="hu-HU" sz="1200" i="1" dirty="0">
-              <a:latin typeface="Gill Sans MT" panose="020B0502020104020203" pitchFamily="34" charset="-18"/>
-              <a:cs typeface="Calibri" panose="020F0502020204030204" pitchFamily="34" charset="0"/>
-            </a:endParaRPr>
-          </a:p>
-          <a:p>
-            <a:pPr algn="ctr"/>
-            <a:endParaRPr lang="hu-HU" dirty="0"/>
-          </a:p>
-        </p:txBody>
-      </p:sp>
-      <p:sp>
-        <p:nvSpPr>
-          <p:cNvPr id="7" name="Szövegdoboz 6">
-            <a:extLst>
-              <a:ext uri="{FF2B5EF4-FFF2-40B4-BE49-F238E27FC236}">
-                <a16:creationId xmlns:a16="http://schemas.microsoft.com/office/drawing/2014/main" id="{B2856C37-6306-98F9-2C5A-F490E5BE6378}"/>
-              </a:ext>
-            </a:extLst>
-          </p:cNvPr>
-          <p:cNvSpPr txBox="1"/>
-          <p:nvPr/>
-        </p:nvSpPr>
-        <p:spPr>
-          <a:xfrm>
-            <a:off x="8097221" y="6155844"/>
-            <a:ext cx="1382238" cy="553998"/>
-          </a:xfrm>
-          <a:prstGeom prst="rect">
-            <a:avLst/>
-          </a:prstGeom>
-          <a:noFill/>
-        </p:spPr>
-        <p:txBody>
-          <a:bodyPr wrap="none" rtlCol="0">
-            <a:spAutoFit/>
-          </a:bodyPr>
-          <a:lstStyle/>
-          <a:p>
-            <a:pPr algn="ctr"/>
-            <a:r>
-              <a:rPr lang="hu-HU" sz="1200" b="1" i="1" dirty="0">
-                <a:latin typeface="Gill Sans MT" panose="020B0502020104020203" pitchFamily="34" charset="-18"/>
-                <a:cs typeface="Calibri" panose="020F0502020204030204" pitchFamily="34" charset="0"/>
-              </a:rPr>
-              <a:t>Nyugati Telephely</a:t>
-            </a:r>
-            <a:endParaRPr lang="hu-HU" sz="1200" i="1" dirty="0">
-              <a:latin typeface="Gill Sans MT" panose="020B0502020104020203" pitchFamily="34" charset="-18"/>
-              <a:cs typeface="Calibri" panose="020F0502020204030204" pitchFamily="34" charset="0"/>
-            </a:endParaRPr>
-          </a:p>
-          <a:p>
-            <a:pPr algn="ctr"/>
-            <a:endParaRPr lang="hu-HU" dirty="0"/>
+            <a:r>
+              <a:rPr lang="hu-HU" sz="1400" dirty="0">
+                <a:effectLst/>
+              </a:rPr>
+              <a:t>Használtunk még </a:t>
+            </a:r>
+            <a:r>
+              <a:rPr lang="hu-HU" sz="1400" dirty="0" err="1">
+                <a:effectLst/>
+              </a:rPr>
+              <a:t>switcheket</a:t>
+            </a:r>
+            <a:r>
+              <a:rPr lang="hu-HU" sz="1400" dirty="0">
+                <a:effectLst/>
+              </a:rPr>
+              <a:t> összekötések és VLAN-ok kezelésére, illetve egy ASA tűzfalat biztonsági okok miatt</a:t>
+            </a:r>
+            <a:endParaRPr lang="hu-HU" sz="1400" dirty="0"/>
           </a:p>
         </p:txBody>
       </p:sp>
     </p:spTree>
     <p:extLst>
       <p:ext uri="{BB962C8B-B14F-4D97-AF65-F5344CB8AC3E}">
-        <p14:creationId xmlns:p14="http://schemas.microsoft.com/office/powerpoint/2010/main" val="39768451"/>
+        <p14:creationId xmlns:p14="http://schemas.microsoft.com/office/powerpoint/2010/main" val="3961289761"/>
       </p:ext>
     </p:extLst>
   </p:cSld>
   <p:clrMapOvr>
     <a:masterClrMapping/>
   </p:clrMapOvr>
-  <mc:AlternateContent xmlns:mc="http://schemas.openxmlformats.org/markup-compatibility/2006">
-    <mc:Choice xmlns:p159="http://schemas.microsoft.com/office/powerpoint/2015/09/main" Requires="p159">
+  <mc:AlternateContent xmlns:mc="http://schemas.openxmlformats.org/markup-compatibility/2006" xmlns:p159="http://schemas.microsoft.com/office/powerpoint/2015/09/main">
+    <mc:Choice Requires="p159">
       <p:transition xmlns:p14="http://schemas.microsoft.com/office/powerpoint/2010/main" spd="slow" p14:dur="2000">
         <p159:morph option="byObject"/>
       </p:transition>
     </mc:Choice>
-    <mc:Fallback>
+    <mc:Fallback xmlns="">
       <p:transition spd="slow">
         <p:fade/>
       </p:transition>
@@ -4858,7 +5253,7 @@
           <p:cNvPr id="2" name="Cím 1">
             <a:extLst>
               <a:ext uri="{FF2B5EF4-FFF2-40B4-BE49-F238E27FC236}">
-                <a16:creationId xmlns:a16="http://schemas.microsoft.com/office/drawing/2014/main" id="{98CF52B8-C157-43B3-8D07-14BA99FCD974}"/>
+                <a16:creationId xmlns:a16="http://schemas.microsoft.com/office/drawing/2014/main" id="{36B84E48-CE66-4EDD-BB09-D48028E7A3D2}"/>
               </a:ext>
             </a:extLst>
           </p:cNvPr>
@@ -4878,7 +5273,17 @@
               <a:rPr lang="hu-HU" b="1" dirty="0">
                 <a:latin typeface="Arial Black" panose="020B0A04020102020204" pitchFamily="34" charset="0"/>
               </a:rPr>
-              <a:t>Logikai topológia</a:t>
+              <a:t>Fizikai</a:t>
+            </a:r>
+            <a:r>
+              <a:rPr lang="hu-HU" b="1" dirty="0"/>
+              <a:t> </a:t>
+            </a:r>
+            <a:r>
+              <a:rPr lang="hu-HU" b="1" dirty="0">
+                <a:latin typeface="Arial Black" panose="020B0A04020102020204" pitchFamily="34" charset="0"/>
+              </a:rPr>
+              <a:t>topológia</a:t>
             </a:r>
             <a:br>
               <a:rPr lang="hu-HU" b="1" dirty="0"/>
@@ -4887,21 +5292,44 @@
           </a:p>
         </p:txBody>
       </p:sp>
-      <p:pic>
-        <p:nvPicPr>
+      <p:sp>
+        <p:nvSpPr>
           <p:cNvPr id="4" name="Tartalom helye 3">
             <a:extLst>
               <a:ext uri="{FF2B5EF4-FFF2-40B4-BE49-F238E27FC236}">
-                <a16:creationId xmlns:a16="http://schemas.microsoft.com/office/drawing/2014/main" id="{E998D692-36ED-48C7-B78E-2C7B4D0FE76C}"/>
+                <a16:creationId xmlns:a16="http://schemas.microsoft.com/office/drawing/2014/main" id="{BD25ABBF-D512-4C5B-91CB-3FE3C725E76B}"/>
+              </a:ext>
+            </a:extLst>
+          </p:cNvPr>
+          <p:cNvSpPr>
+            <a:spLocks noGrp="1"/>
+          </p:cNvSpPr>
+          <p:nvPr>
+            <p:ph idx="1"/>
+          </p:nvPr>
+        </p:nvSpPr>
+        <p:spPr/>
+        <p:txBody>
+          <a:bodyPr/>
+          <a:lstStyle/>
+          <a:p>
+            <a:endParaRPr lang="hu-HU" dirty="0"/>
+          </a:p>
+        </p:txBody>
+      </p:sp>
+      <p:pic>
+        <p:nvPicPr>
+          <p:cNvPr id="5" name="Kép 4">
+            <a:extLst>
+              <a:ext uri="{FF2B5EF4-FFF2-40B4-BE49-F238E27FC236}">
+                <a16:creationId xmlns:a16="http://schemas.microsoft.com/office/drawing/2014/main" id="{278B69EA-81EF-4200-B210-5A8FB392ED4B}"/>
               </a:ext>
             </a:extLst>
           </p:cNvPr>
           <p:cNvPicPr>
-            <a:picLocks noGrp="1" noChangeAspect="1"/>
+            <a:picLocks noChangeAspect="1"/>
           </p:cNvPicPr>
-          <p:nvPr>
-            <p:ph idx="1"/>
-          </p:nvPr>
+          <p:nvPr/>
         </p:nvPicPr>
         <p:blipFill>
           <a:blip r:embed="rId2"/>
@@ -4911,8 +5339,8 @@
         </p:blipFill>
         <p:spPr>
           <a:xfrm>
-            <a:off x="2736850" y="2071688"/>
-            <a:ext cx="6718299" cy="2552700"/>
+            <a:off x="389727" y="1909565"/>
+            <a:ext cx="11412543" cy="4220164"/>
           </a:xfrm>
           <a:prstGeom prst="rect">
             <a:avLst/>
@@ -4921,10 +5349,10 @@
       </p:pic>
       <p:sp>
         <p:nvSpPr>
-          <p:cNvPr id="6" name="Szövegdoboz 5">
+          <p:cNvPr id="3" name="Szövegdoboz 2">
             <a:extLst>
               <a:ext uri="{FF2B5EF4-FFF2-40B4-BE49-F238E27FC236}">
-                <a16:creationId xmlns:a16="http://schemas.microsoft.com/office/drawing/2014/main" id="{D5645A45-0AD5-4A47-9A47-869B2B021A40}"/>
+                <a16:creationId xmlns:a16="http://schemas.microsoft.com/office/drawing/2014/main" id="{2B8F7127-A851-D264-86D5-6547B7C60E17}"/>
               </a:ext>
             </a:extLst>
           </p:cNvPr>
@@ -4933,8 +5361,8 @@
         </p:nvSpPr>
         <p:spPr>
           <a:xfrm>
-            <a:off x="4865057" y="4786312"/>
-            <a:ext cx="2195216" cy="646331"/>
+            <a:off x="389727" y="6155844"/>
+            <a:ext cx="1235723" cy="553998"/>
           </a:xfrm>
           <a:prstGeom prst="rect">
             <a:avLst/>
@@ -4949,10 +5377,110 @@
           <a:p>
             <a:pPr algn="ctr"/>
             <a:r>
-              <a:rPr lang="hu-HU" b="1" i="1" dirty="0"/>
-              <a:t>Hálózati Címzési Terv</a:t>
-            </a:r>
-            <a:endParaRPr lang="hu-HU" i="1" dirty="0"/>
+              <a:rPr lang="hu-HU" sz="1200" b="1" i="1" dirty="0">
+                <a:latin typeface="Gill Sans MT" panose="020B0502020104020203" pitchFamily="34" charset="-18"/>
+                <a:cs typeface="Calibri" panose="020F0502020204030204" pitchFamily="34" charset="0"/>
+              </a:rPr>
+              <a:t>Keleti Telephely</a:t>
+            </a:r>
+            <a:endParaRPr lang="hu-HU" sz="1200" i="1" dirty="0">
+              <a:latin typeface="Gill Sans MT" panose="020B0502020104020203" pitchFamily="34" charset="-18"/>
+              <a:cs typeface="Calibri" panose="020F0502020204030204" pitchFamily="34" charset="0"/>
+            </a:endParaRPr>
+          </a:p>
+          <a:p>
+            <a:pPr algn="ctr"/>
+            <a:endParaRPr lang="hu-HU" dirty="0"/>
+          </a:p>
+        </p:txBody>
+      </p:sp>
+      <p:sp>
+        <p:nvSpPr>
+          <p:cNvPr id="6" name="Szövegdoboz 5">
+            <a:extLst>
+              <a:ext uri="{FF2B5EF4-FFF2-40B4-BE49-F238E27FC236}">
+                <a16:creationId xmlns:a16="http://schemas.microsoft.com/office/drawing/2014/main" id="{6ECCBFBB-0A47-86A1-0B7C-3EC41F75FD7C}"/>
+              </a:ext>
+            </a:extLst>
+          </p:cNvPr>
+          <p:cNvSpPr txBox="1"/>
+          <p:nvPr/>
+        </p:nvSpPr>
+        <p:spPr>
+          <a:xfrm>
+            <a:off x="4146866" y="6161409"/>
+            <a:ext cx="777777" cy="553998"/>
+          </a:xfrm>
+          <a:prstGeom prst="rect">
+            <a:avLst/>
+          </a:prstGeom>
+          <a:noFill/>
+        </p:spPr>
+        <p:txBody>
+          <a:bodyPr wrap="none" rtlCol="0">
+            <a:spAutoFit/>
+          </a:bodyPr>
+          <a:lstStyle/>
+          <a:p>
+            <a:pPr algn="ctr"/>
+            <a:r>
+              <a:rPr lang="hu-HU" sz="1200" b="1" i="1" dirty="0">
+                <a:latin typeface="Gill Sans MT" panose="020B0502020104020203" pitchFamily="34" charset="-18"/>
+                <a:cs typeface="Calibri" panose="020F0502020204030204" pitchFamily="34" charset="0"/>
+              </a:rPr>
+              <a:t>Centrum</a:t>
+            </a:r>
+            <a:endParaRPr lang="hu-HU" sz="1200" i="1" dirty="0">
+              <a:latin typeface="Gill Sans MT" panose="020B0502020104020203" pitchFamily="34" charset="-18"/>
+              <a:cs typeface="Calibri" panose="020F0502020204030204" pitchFamily="34" charset="0"/>
+            </a:endParaRPr>
+          </a:p>
+          <a:p>
+            <a:pPr algn="ctr"/>
+            <a:endParaRPr lang="hu-HU" dirty="0"/>
+          </a:p>
+        </p:txBody>
+      </p:sp>
+      <p:sp>
+        <p:nvSpPr>
+          <p:cNvPr id="7" name="Szövegdoboz 6">
+            <a:extLst>
+              <a:ext uri="{FF2B5EF4-FFF2-40B4-BE49-F238E27FC236}">
+                <a16:creationId xmlns:a16="http://schemas.microsoft.com/office/drawing/2014/main" id="{B2856C37-6306-98F9-2C5A-F490E5BE6378}"/>
+              </a:ext>
+            </a:extLst>
+          </p:cNvPr>
+          <p:cNvSpPr txBox="1"/>
+          <p:nvPr/>
+        </p:nvSpPr>
+        <p:spPr>
+          <a:xfrm>
+            <a:off x="8097221" y="6155844"/>
+            <a:ext cx="1382238" cy="553998"/>
+          </a:xfrm>
+          <a:prstGeom prst="rect">
+            <a:avLst/>
+          </a:prstGeom>
+          <a:noFill/>
+        </p:spPr>
+        <p:txBody>
+          <a:bodyPr wrap="none" rtlCol="0">
+            <a:spAutoFit/>
+          </a:bodyPr>
+          <a:lstStyle/>
+          <a:p>
+            <a:pPr algn="ctr"/>
+            <a:r>
+              <a:rPr lang="hu-HU" sz="1200" b="1" i="1" dirty="0">
+                <a:latin typeface="Gill Sans MT" panose="020B0502020104020203" pitchFamily="34" charset="-18"/>
+                <a:cs typeface="Calibri" panose="020F0502020204030204" pitchFamily="34" charset="0"/>
+              </a:rPr>
+              <a:t>Nyugati Telephely</a:t>
+            </a:r>
+            <a:endParaRPr lang="hu-HU" sz="1200" i="1" dirty="0">
+              <a:latin typeface="Gill Sans MT" panose="020B0502020104020203" pitchFamily="34" charset="-18"/>
+              <a:cs typeface="Calibri" panose="020F0502020204030204" pitchFamily="34" charset="0"/>
+            </a:endParaRPr>
           </a:p>
           <a:p>
             <a:pPr algn="ctr"/>
@@ -4963,20 +5491,20 @@
     </p:spTree>
     <p:extLst>
       <p:ext uri="{BB962C8B-B14F-4D97-AF65-F5344CB8AC3E}">
-        <p14:creationId xmlns:p14="http://schemas.microsoft.com/office/powerpoint/2010/main" val="711861338"/>
+        <p14:creationId xmlns:p14="http://schemas.microsoft.com/office/powerpoint/2010/main" val="39768451"/>
       </p:ext>
     </p:extLst>
   </p:cSld>
   <p:clrMapOvr>
     <a:masterClrMapping/>
   </p:clrMapOvr>
-  <mc:AlternateContent xmlns:mc="http://schemas.openxmlformats.org/markup-compatibility/2006">
-    <mc:Choice xmlns:p159="http://schemas.microsoft.com/office/powerpoint/2015/09/main" Requires="p159">
+  <mc:AlternateContent xmlns:mc="http://schemas.openxmlformats.org/markup-compatibility/2006" xmlns:p159="http://schemas.microsoft.com/office/powerpoint/2015/09/main">
+    <mc:Choice Requires="p159">
       <p:transition xmlns:p14="http://schemas.microsoft.com/office/powerpoint/2010/main" spd="slow" p14:dur="2000">
         <p159:morph option="byObject"/>
       </p:transition>
     </mc:Choice>
-    <mc:Fallback>
+    <mc:Fallback xmlns="">
       <p:transition spd="slow">
         <p:fade/>
       </p:transition>
@@ -5002,21 +5530,53 @@
           <a:chExt cx="0" cy="0"/>
         </a:xfrm>
       </p:grpSpPr>
+      <p:sp>
+        <p:nvSpPr>
+          <p:cNvPr id="2" name="Cím 1">
+            <a:extLst>
+              <a:ext uri="{FF2B5EF4-FFF2-40B4-BE49-F238E27FC236}">
+                <a16:creationId xmlns:a16="http://schemas.microsoft.com/office/drawing/2014/main" id="{266CB2AD-17DF-EAA5-B8C5-335DF2C0B83E}"/>
+              </a:ext>
+            </a:extLst>
+          </p:cNvPr>
+          <p:cNvSpPr>
+            <a:spLocks noGrp="1"/>
+          </p:cNvSpPr>
+          <p:nvPr>
+            <p:ph type="title"/>
+          </p:nvPr>
+        </p:nvSpPr>
+        <p:spPr/>
+        <p:txBody>
+          <a:bodyPr/>
+          <a:lstStyle/>
+          <a:p>
+            <a:r>
+              <a:rPr lang="hu-HU" b="1" dirty="0">
+                <a:latin typeface="Arial Black" panose="020B0A04020102020204" pitchFamily="34" charset="0"/>
+              </a:rPr>
+              <a:t>Logikai topológia</a:t>
+            </a:r>
+            <a:br>
+              <a:rPr lang="hu-HU" b="1" dirty="0"/>
+            </a:br>
+            <a:endParaRPr lang="hu-HU" dirty="0"/>
+          </a:p>
+        </p:txBody>
+      </p:sp>
       <p:pic>
         <p:nvPicPr>
-          <p:cNvPr id="4" name="Tartalom helye 3">
+          <p:cNvPr id="24" name="Tartalom helye 3">
             <a:extLst>
               <a:ext uri="{FF2B5EF4-FFF2-40B4-BE49-F238E27FC236}">
-                <a16:creationId xmlns:a16="http://schemas.microsoft.com/office/drawing/2014/main" id="{819C7858-A5D3-4F94-9A65-5FCE78048ADC}"/>
+                <a16:creationId xmlns:a16="http://schemas.microsoft.com/office/drawing/2014/main" id="{22921C62-61CA-0820-9268-EEA28F17C392}"/>
               </a:ext>
             </a:extLst>
           </p:cNvPr>
           <p:cNvPicPr>
             <a:picLocks noGrp="1" noChangeAspect="1"/>
           </p:cNvPicPr>
-          <p:nvPr>
-            <p:ph idx="1"/>
-          </p:nvPr>
+          <p:nvPr/>
         </p:nvPicPr>
         <p:blipFill>
           <a:blip r:embed="rId2"/>
@@ -5026,20 +5586,50 @@
         </p:blipFill>
         <p:spPr>
           <a:xfrm>
-            <a:off x="2438400" y="2114550"/>
-            <a:ext cx="6794500" cy="2628899"/>
+            <a:off x="240223" y="4237908"/>
+            <a:ext cx="3148067" cy="1281957"/>
           </a:xfrm>
           <a:prstGeom prst="rect">
             <a:avLst/>
           </a:prstGeom>
         </p:spPr>
       </p:pic>
-      <p:sp>
-        <p:nvSpPr>
-          <p:cNvPr id="6" name="Téglalap 5">
+      <p:pic>
+        <p:nvPicPr>
+          <p:cNvPr id="25" name="Tartalom helye 3">
             <a:extLst>
               <a:ext uri="{FF2B5EF4-FFF2-40B4-BE49-F238E27FC236}">
-                <a16:creationId xmlns:a16="http://schemas.microsoft.com/office/drawing/2014/main" id="{019F8B1F-EE56-43BB-B734-9E5FA3984D8C}"/>
+                <a16:creationId xmlns:a16="http://schemas.microsoft.com/office/drawing/2014/main" id="{392D3601-7F8B-5917-A841-FF36941867D3}"/>
+              </a:ext>
+            </a:extLst>
+          </p:cNvPr>
+          <p:cNvPicPr>
+            <a:picLocks noChangeAspect="1"/>
+          </p:cNvPicPr>
+          <p:nvPr/>
+        </p:nvPicPr>
+        <p:blipFill>
+          <a:blip r:embed="rId3"/>
+          <a:stretch>
+            <a:fillRect/>
+          </a:stretch>
+        </p:blipFill>
+        <p:spPr>
+          <a:xfrm>
+            <a:off x="7814434" y="4237908"/>
+            <a:ext cx="4250078" cy="1236795"/>
+          </a:xfrm>
+          <a:prstGeom prst="rect">
+            <a:avLst/>
+          </a:prstGeom>
+        </p:spPr>
+      </p:pic>
+      <p:sp>
+        <p:nvSpPr>
+          <p:cNvPr id="26" name="Téglalap 25">
+            <a:extLst>
+              <a:ext uri="{FF2B5EF4-FFF2-40B4-BE49-F238E27FC236}">
+                <a16:creationId xmlns:a16="http://schemas.microsoft.com/office/drawing/2014/main" id="{564BA3CD-F538-F4C3-8CAF-BAE3245F806A}"/>
               </a:ext>
             </a:extLst>
           </p:cNvPr>
@@ -5048,36 +5638,341 @@
         </p:nvSpPr>
         <p:spPr>
           <a:xfrm>
-            <a:off x="4689588" y="4882634"/>
-            <a:ext cx="2228623" cy="369332"/>
+            <a:off x="8921454" y="5637636"/>
+            <a:ext cx="2173266" cy="307777"/>
           </a:xfrm>
           <a:prstGeom prst="rect">
             <a:avLst/>
           </a:prstGeom>
         </p:spPr>
         <p:txBody>
-          <a:bodyPr wrap="none">
+          <a:bodyPr wrap="square">
             <a:spAutoFit/>
           </a:bodyPr>
           <a:lstStyle/>
           <a:p>
             <a:pPr algn="ctr"/>
             <a:r>
-              <a:rPr lang="hu-HU" b="1" dirty="0">
+              <a:rPr lang="hu-HU" sz="1400" b="1" dirty="0" err="1">
                 <a:latin typeface="Calibri" panose="020F0502020204030204" pitchFamily="34" charset="0"/>
                 <a:ea typeface="Calibri" panose="020F0502020204030204" pitchFamily="34" charset="0"/>
                 <a:cs typeface="Times New Roman" panose="02020603050405020304" pitchFamily="18" charset="0"/>
               </a:rPr>
-              <a:t>Wan Címzési Táblázat</a:t>
-            </a:r>
-            <a:endParaRPr lang="hu-HU" dirty="0"/>
+              <a:t>Wan</a:t>
+            </a:r>
+            <a:r>
+              <a:rPr lang="hu-HU" sz="1400" b="1" dirty="0">
+                <a:latin typeface="Calibri" panose="020F0502020204030204" pitchFamily="34" charset="0"/>
+                <a:ea typeface="Calibri" panose="020F0502020204030204" pitchFamily="34" charset="0"/>
+                <a:cs typeface="Times New Roman" panose="02020603050405020304" pitchFamily="18" charset="0"/>
+              </a:rPr>
+              <a:t> Címzési Táblázat</a:t>
+            </a:r>
+            <a:endParaRPr lang="hu-HU" sz="1400" dirty="0"/>
+          </a:p>
+        </p:txBody>
+      </p:sp>
+      <p:sp>
+        <p:nvSpPr>
+          <p:cNvPr id="27" name="Téglalap 26">
+            <a:extLst>
+              <a:ext uri="{FF2B5EF4-FFF2-40B4-BE49-F238E27FC236}">
+                <a16:creationId xmlns:a16="http://schemas.microsoft.com/office/drawing/2014/main" id="{2BDF38D3-53E4-53EF-184E-04C2A461D85C}"/>
+              </a:ext>
+            </a:extLst>
+          </p:cNvPr>
+          <p:cNvSpPr/>
+          <p:nvPr/>
+        </p:nvSpPr>
+        <p:spPr>
+          <a:xfrm>
+            <a:off x="948218" y="5637637"/>
+            <a:ext cx="2173266" cy="307777"/>
+          </a:xfrm>
+          <a:prstGeom prst="rect">
+            <a:avLst/>
+          </a:prstGeom>
+        </p:spPr>
+        <p:txBody>
+          <a:bodyPr wrap="square">
+            <a:spAutoFit/>
+          </a:bodyPr>
+          <a:lstStyle/>
+          <a:p>
+            <a:pPr algn="ctr"/>
+            <a:r>
+              <a:rPr lang="hu-HU" sz="1400" b="1" i="1" dirty="0"/>
+              <a:t>Hálózati Címzési Terv</a:t>
+            </a:r>
+            <a:endParaRPr lang="hu-HU" sz="1400" i="1" dirty="0"/>
+          </a:p>
+        </p:txBody>
+      </p:sp>
+      <p:sp>
+        <p:nvSpPr>
+          <p:cNvPr id="38" name="Szövegdoboz 37">
+            <a:extLst>
+              <a:ext uri="{FF2B5EF4-FFF2-40B4-BE49-F238E27FC236}">
+                <a16:creationId xmlns:a16="http://schemas.microsoft.com/office/drawing/2014/main" id="{CB6A173C-694A-95FA-A218-4485D690965A}"/>
+              </a:ext>
+            </a:extLst>
+          </p:cNvPr>
+          <p:cNvSpPr txBox="1"/>
+          <p:nvPr/>
+        </p:nvSpPr>
+        <p:spPr>
+          <a:xfrm>
+            <a:off x="424318" y="1961269"/>
+            <a:ext cx="3195704" cy="2031325"/>
+          </a:xfrm>
+          <a:prstGeom prst="rect">
+            <a:avLst/>
+          </a:prstGeom>
+          <a:noFill/>
+        </p:spPr>
+        <p:txBody>
+          <a:bodyPr wrap="square">
+            <a:spAutoFit/>
+          </a:bodyPr>
+          <a:lstStyle/>
+          <a:p>
+            <a:r>
+              <a:rPr lang="hu-HU" sz="1400" dirty="0">
+                <a:latin typeface="Times New Roman" panose="02020603050405020304" pitchFamily="18" charset="0"/>
+                <a:cs typeface="Times New Roman" panose="02020603050405020304" pitchFamily="18" charset="0"/>
+              </a:rPr>
+              <a:t>Keleti telephely:</a:t>
+            </a:r>
+          </a:p>
+          <a:p>
+            <a:endParaRPr lang="hu-HU" sz="1400" dirty="0">
+              <a:latin typeface="Times New Roman" panose="02020603050405020304" pitchFamily="18" charset="0"/>
+              <a:cs typeface="Times New Roman" panose="02020603050405020304" pitchFamily="18" charset="0"/>
+            </a:endParaRPr>
+          </a:p>
+          <a:p>
+            <a:r>
+              <a:rPr lang="hu-HU" sz="1400" dirty="0">
+                <a:latin typeface="Times New Roman" panose="02020603050405020304" pitchFamily="18" charset="0"/>
+                <a:cs typeface="Times New Roman" panose="02020603050405020304" pitchFamily="18" charset="0"/>
+              </a:rPr>
+              <a:t>Gyártási VLAN (VLAN 150): a vezérlőrendszerek elkülönítésére.</a:t>
+            </a:r>
+          </a:p>
+          <a:p>
+            <a:endParaRPr lang="hu-HU" sz="1400" dirty="0">
+              <a:latin typeface="Times New Roman" panose="02020603050405020304" pitchFamily="18" charset="0"/>
+              <a:cs typeface="Times New Roman" panose="02020603050405020304" pitchFamily="18" charset="0"/>
+            </a:endParaRPr>
+          </a:p>
+          <a:p>
+            <a:r>
+              <a:rPr lang="hu-HU" sz="1400" dirty="0">
+                <a:latin typeface="Times New Roman" panose="02020603050405020304" pitchFamily="18" charset="0"/>
+                <a:cs typeface="Times New Roman" panose="02020603050405020304" pitchFamily="18" charset="0"/>
+              </a:rPr>
+              <a:t>VPN kapcsolat a központi irodával</a:t>
+            </a:r>
+          </a:p>
+          <a:p>
+            <a:endParaRPr lang="hu-HU" sz="1400" dirty="0">
+              <a:latin typeface="Times New Roman" panose="02020603050405020304" pitchFamily="18" charset="0"/>
+              <a:cs typeface="Times New Roman" panose="02020603050405020304" pitchFamily="18" charset="0"/>
+            </a:endParaRPr>
+          </a:p>
+          <a:p>
+            <a:r>
+              <a:rPr lang="hu-HU" sz="1400" dirty="0">
+                <a:latin typeface="Times New Roman" panose="02020603050405020304" pitchFamily="18" charset="0"/>
+                <a:cs typeface="Times New Roman" panose="02020603050405020304" pitchFamily="18" charset="0"/>
+              </a:rPr>
+              <a:t>Helyi DHCP és DNS szolgáltatások, valamint redundancia biztosítása</a:t>
+            </a:r>
+          </a:p>
+        </p:txBody>
+      </p:sp>
+      <p:sp>
+        <p:nvSpPr>
+          <p:cNvPr id="40" name="Szövegdoboz 39">
+            <a:extLst>
+              <a:ext uri="{FF2B5EF4-FFF2-40B4-BE49-F238E27FC236}">
+                <a16:creationId xmlns:a16="http://schemas.microsoft.com/office/drawing/2014/main" id="{E42CC186-F295-CD69-6D27-B3E421EE4484}"/>
+              </a:ext>
+            </a:extLst>
+          </p:cNvPr>
+          <p:cNvSpPr txBox="1"/>
+          <p:nvPr/>
+        </p:nvSpPr>
+        <p:spPr>
+          <a:xfrm>
+            <a:off x="9088748" y="1961269"/>
+            <a:ext cx="2678934" cy="2031325"/>
+          </a:xfrm>
+          <a:prstGeom prst="rect">
+            <a:avLst/>
+          </a:prstGeom>
+          <a:noFill/>
+        </p:spPr>
+        <p:txBody>
+          <a:bodyPr wrap="square">
+            <a:spAutoFit/>
+          </a:bodyPr>
+          <a:lstStyle/>
+          <a:p>
+            <a:r>
+              <a:rPr lang="hu-HU" sz="1400" dirty="0">
+                <a:latin typeface="Times New Roman" panose="02020603050405020304" pitchFamily="18" charset="0"/>
+                <a:cs typeface="Times New Roman" panose="02020603050405020304" pitchFamily="18" charset="0"/>
+              </a:rPr>
+              <a:t>Nyugati telephely:</a:t>
+            </a:r>
+          </a:p>
+          <a:p>
+            <a:endParaRPr lang="hu-HU" sz="1400" dirty="0">
+              <a:latin typeface="Times New Roman" panose="02020603050405020304" pitchFamily="18" charset="0"/>
+              <a:cs typeface="Times New Roman" panose="02020603050405020304" pitchFamily="18" charset="0"/>
+            </a:endParaRPr>
+          </a:p>
+          <a:p>
+            <a:r>
+              <a:rPr lang="hu-HU" sz="1400" dirty="0">
+                <a:latin typeface="Times New Roman" panose="02020603050405020304" pitchFamily="18" charset="0"/>
+                <a:cs typeface="Times New Roman" panose="02020603050405020304" pitchFamily="18" charset="0"/>
+              </a:rPr>
+              <a:t>Értékesítési VLAN (VLAN 140) az ügyféladatok és üzleti alkalmazások elszigetelésére.</a:t>
+            </a:r>
+          </a:p>
+          <a:p>
+            <a:r>
+              <a:rPr lang="hu-HU" sz="1400" dirty="0">
+                <a:latin typeface="Times New Roman" panose="02020603050405020304" pitchFamily="18" charset="0"/>
+                <a:cs typeface="Times New Roman" panose="02020603050405020304" pitchFamily="18" charset="0"/>
+              </a:rPr>
+              <a:t>Helyi DHCP- és DNS-szolgáltatások, valamint redundancia.</a:t>
+            </a:r>
+          </a:p>
+          <a:p>
+            <a:r>
+              <a:rPr lang="hu-HU" sz="1400" dirty="0">
+                <a:latin typeface="Times New Roman" panose="02020603050405020304" pitchFamily="18" charset="0"/>
+                <a:cs typeface="Times New Roman" panose="02020603050405020304" pitchFamily="18" charset="0"/>
+              </a:rPr>
+              <a:t>NAT/PAT dinamikus címfordítás.</a:t>
+            </a:r>
+          </a:p>
+        </p:txBody>
+      </p:sp>
+      <p:sp>
+        <p:nvSpPr>
+          <p:cNvPr id="42" name="Szövegdoboz 41">
+            <a:extLst>
+              <a:ext uri="{FF2B5EF4-FFF2-40B4-BE49-F238E27FC236}">
+                <a16:creationId xmlns:a16="http://schemas.microsoft.com/office/drawing/2014/main" id="{171B51A5-0FD5-EF25-1F65-BD48B38B68A1}"/>
+              </a:ext>
+            </a:extLst>
+          </p:cNvPr>
+          <p:cNvSpPr txBox="1"/>
+          <p:nvPr/>
+        </p:nvSpPr>
+        <p:spPr>
+          <a:xfrm>
+            <a:off x="4478055" y="1963223"/>
+            <a:ext cx="2555310" cy="2462213"/>
+          </a:xfrm>
+          <a:prstGeom prst="rect">
+            <a:avLst/>
+          </a:prstGeom>
+          <a:noFill/>
+        </p:spPr>
+        <p:txBody>
+          <a:bodyPr wrap="square">
+            <a:spAutoFit/>
+          </a:bodyPr>
+          <a:lstStyle/>
+          <a:p>
+            <a:r>
+              <a:rPr lang="hu-HU" sz="1400" dirty="0">
+                <a:latin typeface="Times New Roman" panose="02020603050405020304" pitchFamily="18" charset="0"/>
+                <a:cs typeface="Times New Roman" panose="02020603050405020304" pitchFamily="18" charset="0"/>
+              </a:rPr>
+              <a:t>Centrum:</a:t>
+            </a:r>
+          </a:p>
+          <a:p>
+            <a:endParaRPr lang="hu-HU" sz="1400" dirty="0">
+              <a:latin typeface="Times New Roman" panose="02020603050405020304" pitchFamily="18" charset="0"/>
+              <a:cs typeface="Times New Roman" panose="02020603050405020304" pitchFamily="18" charset="0"/>
+            </a:endParaRPr>
+          </a:p>
+          <a:p>
+            <a:r>
+              <a:rPr lang="hu-HU" sz="1400" dirty="0">
+                <a:latin typeface="Times New Roman" panose="02020603050405020304" pitchFamily="18" charset="0"/>
+                <a:cs typeface="Times New Roman" panose="02020603050405020304" pitchFamily="18" charset="0"/>
+              </a:rPr>
+              <a:t>VLAN konfiguráció:</a:t>
+            </a:r>
+          </a:p>
+          <a:p>
+            <a:r>
+              <a:rPr lang="hu-HU" sz="1400" dirty="0">
+                <a:latin typeface="Times New Roman" panose="02020603050405020304" pitchFamily="18" charset="0"/>
+                <a:cs typeface="Times New Roman" panose="02020603050405020304" pitchFamily="18" charset="0"/>
+              </a:rPr>
+              <a:t>    - VLAN 110: Adminisztráció</a:t>
+            </a:r>
+          </a:p>
+          <a:p>
+            <a:r>
+              <a:rPr lang="hu-HU" sz="1400" dirty="0">
+                <a:latin typeface="Times New Roman" panose="02020603050405020304" pitchFamily="18" charset="0"/>
+                <a:cs typeface="Times New Roman" panose="02020603050405020304" pitchFamily="18" charset="0"/>
+              </a:rPr>
+              <a:t>    - VLAN 120: IT</a:t>
+            </a:r>
+          </a:p>
+          <a:p>
+            <a:r>
+              <a:rPr lang="hu-HU" sz="1400" dirty="0">
+                <a:latin typeface="Times New Roman" panose="02020603050405020304" pitchFamily="18" charset="0"/>
+                <a:cs typeface="Times New Roman" panose="02020603050405020304" pitchFamily="18" charset="0"/>
+              </a:rPr>
+              <a:t>    - VLAN 130: Vendéghálózat</a:t>
+            </a:r>
+          </a:p>
+          <a:p>
+            <a:r>
+              <a:rPr lang="hu-HU" sz="1400" dirty="0">
+                <a:latin typeface="Times New Roman" panose="02020603050405020304" pitchFamily="18" charset="0"/>
+                <a:cs typeface="Times New Roman" panose="02020603050405020304" pitchFamily="18" charset="0"/>
+              </a:rPr>
+              <a:t>WLAN hozzáférés biztosított (802.1X hitelesítéssel).</a:t>
+            </a:r>
+          </a:p>
+          <a:p>
+            <a:r>
+              <a:rPr lang="hu-HU" sz="1400" dirty="0">
+                <a:latin typeface="Times New Roman" panose="02020603050405020304" pitchFamily="18" charset="0"/>
+                <a:cs typeface="Times New Roman" panose="02020603050405020304" pitchFamily="18" charset="0"/>
+              </a:rPr>
+              <a:t>Statikus és dinamikus IPv4/IPv6 támogatás.</a:t>
+            </a:r>
+          </a:p>
+          <a:p>
+            <a:r>
+              <a:rPr lang="hu-HU" sz="1400" dirty="0">
+                <a:latin typeface="Times New Roman" panose="02020603050405020304" pitchFamily="18" charset="0"/>
+                <a:cs typeface="Times New Roman" panose="02020603050405020304" pitchFamily="18" charset="0"/>
+              </a:rPr>
+              <a:t>Redundáns hálózati kapcsolatok.</a:t>
+            </a:r>
           </a:p>
         </p:txBody>
       </p:sp>
     </p:spTree>
     <p:extLst>
       <p:ext uri="{BB962C8B-B14F-4D97-AF65-F5344CB8AC3E}">
-        <p14:creationId xmlns:p14="http://schemas.microsoft.com/office/powerpoint/2010/main" val="3380307265"/>
+        <p14:creationId xmlns:p14="http://schemas.microsoft.com/office/powerpoint/2010/main" val="2598843162"/>
       </p:ext>
     </p:extLst>
   </p:cSld>
@@ -5121,7 +6016,7 @@
           <p:cNvPr id="2" name="Cím 1">
             <a:extLst>
               <a:ext uri="{FF2B5EF4-FFF2-40B4-BE49-F238E27FC236}">
-                <a16:creationId xmlns:a16="http://schemas.microsoft.com/office/drawing/2014/main" id="{18708E49-8E5F-439D-954B-1F9AD2E2FD52}"/>
+                <a16:creationId xmlns:a16="http://schemas.microsoft.com/office/drawing/2014/main" id="{D2DB7D9E-C74C-D5CF-C0B6-0201FD872F82}"/>
               </a:ext>
             </a:extLst>
           </p:cNvPr>
@@ -5138,32 +6033,9 @@
           <a:lstStyle/>
           <a:p>
             <a:r>
-              <a:rPr lang="hu-HU" b="1" dirty="0">
-                <a:latin typeface="Arial Black" panose="020B0A04020102020204" pitchFamily="34" charset="0"/>
-              </a:rPr>
-              <a:t>Eszközök</a:t>
-            </a:r>
-            <a:r>
-              <a:rPr lang="hu-HU" b="1" dirty="0">
-                <a:solidFill>
-                  <a:schemeClr val="accent1">
-                    <a:lumMod val="50000"/>
-                  </a:schemeClr>
-                </a:solidFill>
-                <a:latin typeface="Arial Black" panose="020B0A04020102020204" pitchFamily="34" charset="0"/>
-              </a:rPr>
-              <a:t> </a:t>
-            </a:r>
-            <a:r>
-              <a:rPr lang="hu-HU" b="1" dirty="0">
-                <a:latin typeface="Arial Black" panose="020B0A04020102020204" pitchFamily="34" charset="0"/>
-              </a:rPr>
-              <a:t>konfigurálása</a:t>
-            </a:r>
-            <a:br>
-              <a:rPr lang="hu-HU" b="1" dirty="0"/>
-            </a:br>
-            <a:endParaRPr lang="hu-HU" dirty="0"/>
+              <a:rPr lang="hu-HU" dirty="0"/>
+              <a:t>Tesztelés és dokumentáció</a:t>
+            </a:r>
           </a:p>
         </p:txBody>
       </p:sp>
@@ -5172,7 +6044,7 @@
           <p:cNvPr id="3" name="Tartalom helye 2">
             <a:extLst>
               <a:ext uri="{FF2B5EF4-FFF2-40B4-BE49-F238E27FC236}">
-                <a16:creationId xmlns:a16="http://schemas.microsoft.com/office/drawing/2014/main" id="{9494CE0A-B4A8-45BF-8963-73E7653A7053}"/>
+                <a16:creationId xmlns:a16="http://schemas.microsoft.com/office/drawing/2014/main" id="{A41410D9-2FDD-3368-4C7D-EB3390C6F825}"/>
               </a:ext>
             </a:extLst>
           </p:cNvPr>
@@ -5185,7 +6057,7 @@
         </p:nvSpPr>
         <p:spPr>
           <a:xfrm>
-            <a:off x="454192" y="1964596"/>
+            <a:off x="349460" y="1209056"/>
             <a:ext cx="11029615" cy="3678303"/>
           </a:xfrm>
         </p:spPr>
@@ -5193,497 +6065,125 @@
           <a:bodyPr/>
           <a:lstStyle/>
           <a:p>
-            <a:pPr marL="0" indent="0">
-              <a:buNone/>
-            </a:pPr>
-            <a:r>
-              <a:rPr lang="hu-HU" sz="2000" b="1" dirty="0">
-                <a:solidFill>
-                  <a:schemeClr val="tx1"/>
-                </a:solidFill>
-                <a:latin typeface="Times New Roman" panose="02020603050405020304" pitchFamily="18" charset="0"/>
-                <a:cs typeface="Times New Roman" panose="02020603050405020304" pitchFamily="18" charset="0"/>
-              </a:rPr>
-              <a:t>Konfiguráláshoz</a:t>
-            </a:r>
-            <a:r>
-              <a:rPr lang="hu-HU" sz="2000" b="1" dirty="0">
-                <a:latin typeface="Times New Roman" panose="02020603050405020304" pitchFamily="18" charset="0"/>
-                <a:cs typeface="Times New Roman" panose="02020603050405020304" pitchFamily="18" charset="0"/>
-              </a:rPr>
-              <a:t> </a:t>
-            </a:r>
-            <a:r>
-              <a:rPr lang="hu-HU" sz="2000" b="1" dirty="0">
-                <a:solidFill>
-                  <a:schemeClr val="tx1"/>
-                </a:solidFill>
-                <a:latin typeface="Times New Roman" panose="02020603050405020304" pitchFamily="18" charset="0"/>
-                <a:cs typeface="Times New Roman" panose="02020603050405020304" pitchFamily="18" charset="0"/>
-              </a:rPr>
-              <a:t>használt technológiák</a:t>
-            </a:r>
-            <a:r>
-              <a:rPr lang="hu-HU" sz="2000" b="1" dirty="0">
-                <a:latin typeface="Times New Roman" panose="02020603050405020304" pitchFamily="18" charset="0"/>
-                <a:cs typeface="Times New Roman" panose="02020603050405020304" pitchFamily="18" charset="0"/>
-              </a:rPr>
-              <a:t>:</a:t>
-            </a:r>
-          </a:p>
-          <a:p>
-            <a:pPr marL="0" indent="0">
-              <a:buNone/>
-            </a:pPr>
-            <a:endParaRPr lang="hu-HU" dirty="0">
-              <a:latin typeface="Times New Roman" panose="02020603050405020304" pitchFamily="18" charset="0"/>
-              <a:cs typeface="Times New Roman" panose="02020603050405020304" pitchFamily="18" charset="0"/>
-            </a:endParaRPr>
-          </a:p>
-          <a:p>
-            <a:pPr lvl="1"/>
-            <a:r>
-              <a:rPr lang="hu-HU" sz="1800" dirty="0">
-                <a:solidFill>
-                  <a:schemeClr val="tx1"/>
-                </a:solidFill>
-                <a:latin typeface="Times New Roman" panose="02020603050405020304" pitchFamily="18" charset="0"/>
-                <a:cs typeface="Times New Roman" panose="02020603050405020304" pitchFamily="18" charset="0"/>
-              </a:rPr>
-              <a:t>DHCP (</a:t>
-            </a:r>
-            <a:r>
-              <a:rPr lang="hu-HU" sz="1800" dirty="0" err="1">
-                <a:solidFill>
-                  <a:schemeClr val="tx1"/>
-                </a:solidFill>
-                <a:latin typeface="Times New Roman" panose="02020603050405020304" pitchFamily="18" charset="0"/>
-                <a:cs typeface="Times New Roman" panose="02020603050405020304" pitchFamily="18" charset="0"/>
-              </a:rPr>
-              <a:t>Dynamic</a:t>
-            </a:r>
-            <a:r>
-              <a:rPr lang="hu-HU" sz="1800" dirty="0">
-                <a:solidFill>
-                  <a:schemeClr val="tx1"/>
-                </a:solidFill>
-                <a:latin typeface="Times New Roman" panose="02020603050405020304" pitchFamily="18" charset="0"/>
-                <a:cs typeface="Times New Roman" panose="02020603050405020304" pitchFamily="18" charset="0"/>
-              </a:rPr>
-              <a:t> </a:t>
-            </a:r>
-            <a:r>
-              <a:rPr lang="hu-HU" sz="1800" dirty="0" err="1">
-                <a:solidFill>
-                  <a:schemeClr val="tx1"/>
-                </a:solidFill>
-                <a:latin typeface="Times New Roman" panose="02020603050405020304" pitchFamily="18" charset="0"/>
-                <a:cs typeface="Times New Roman" panose="02020603050405020304" pitchFamily="18" charset="0"/>
-              </a:rPr>
-              <a:t>Host</a:t>
-            </a:r>
-            <a:r>
-              <a:rPr lang="hu-HU" sz="1800" dirty="0">
-                <a:solidFill>
-                  <a:schemeClr val="tx1"/>
-                </a:solidFill>
-                <a:latin typeface="Times New Roman" panose="02020603050405020304" pitchFamily="18" charset="0"/>
-                <a:cs typeface="Times New Roman" panose="02020603050405020304" pitchFamily="18" charset="0"/>
-              </a:rPr>
-              <a:t> </a:t>
-            </a:r>
-            <a:r>
-              <a:rPr lang="hu-HU" sz="1800" dirty="0" err="1">
-                <a:solidFill>
-                  <a:schemeClr val="tx1"/>
-                </a:solidFill>
-                <a:latin typeface="Times New Roman" panose="02020603050405020304" pitchFamily="18" charset="0"/>
-                <a:cs typeface="Times New Roman" panose="02020603050405020304" pitchFamily="18" charset="0"/>
-              </a:rPr>
-              <a:t>Configuration</a:t>
-            </a:r>
-            <a:r>
-              <a:rPr lang="hu-HU" sz="1800" dirty="0">
-                <a:solidFill>
-                  <a:schemeClr val="tx1"/>
-                </a:solidFill>
-                <a:latin typeface="Times New Roman" panose="02020603050405020304" pitchFamily="18" charset="0"/>
-                <a:cs typeface="Times New Roman" panose="02020603050405020304" pitchFamily="18" charset="0"/>
-              </a:rPr>
-              <a:t> </a:t>
-            </a:r>
-            <a:r>
-              <a:rPr lang="hu-HU" sz="1800" dirty="0" err="1">
-                <a:solidFill>
-                  <a:schemeClr val="tx1"/>
-                </a:solidFill>
-                <a:latin typeface="Times New Roman" panose="02020603050405020304" pitchFamily="18" charset="0"/>
-                <a:cs typeface="Times New Roman" panose="02020603050405020304" pitchFamily="18" charset="0"/>
-              </a:rPr>
-              <a:t>Protocol</a:t>
-            </a:r>
-            <a:r>
-              <a:rPr lang="hu-HU" sz="1800" dirty="0">
-                <a:solidFill>
-                  <a:schemeClr val="tx1"/>
-                </a:solidFill>
-                <a:latin typeface="Times New Roman" panose="02020603050405020304" pitchFamily="18" charset="0"/>
-                <a:cs typeface="Times New Roman" panose="02020603050405020304" pitchFamily="18" charset="0"/>
-              </a:rPr>
-              <a:t>)</a:t>
-            </a:r>
-          </a:p>
-          <a:p>
-            <a:pPr lvl="1"/>
-            <a:r>
-              <a:rPr lang="hu-HU" sz="1800" dirty="0">
-                <a:solidFill>
-                  <a:schemeClr val="tx1"/>
-                </a:solidFill>
-                <a:latin typeface="Times New Roman" panose="02020603050405020304" pitchFamily="18" charset="0"/>
-                <a:cs typeface="Times New Roman" panose="02020603050405020304" pitchFamily="18" charset="0"/>
-              </a:rPr>
-              <a:t>VLAN (</a:t>
-            </a:r>
-            <a:r>
-              <a:rPr lang="hu-HU" sz="1800" dirty="0" err="1">
-                <a:solidFill>
-                  <a:schemeClr val="tx1"/>
-                </a:solidFill>
-                <a:latin typeface="Times New Roman" panose="02020603050405020304" pitchFamily="18" charset="0"/>
-                <a:cs typeface="Times New Roman" panose="02020603050405020304" pitchFamily="18" charset="0"/>
-              </a:rPr>
-              <a:t>Virtual</a:t>
-            </a:r>
-            <a:r>
-              <a:rPr lang="hu-HU" sz="1800" dirty="0">
-                <a:solidFill>
-                  <a:schemeClr val="tx1"/>
-                </a:solidFill>
-                <a:latin typeface="Times New Roman" panose="02020603050405020304" pitchFamily="18" charset="0"/>
-                <a:cs typeface="Times New Roman" panose="02020603050405020304" pitchFamily="18" charset="0"/>
-              </a:rPr>
-              <a:t> Local </a:t>
-            </a:r>
-            <a:r>
-              <a:rPr lang="hu-HU" sz="1800" dirty="0" err="1">
-                <a:solidFill>
-                  <a:schemeClr val="tx1"/>
-                </a:solidFill>
-                <a:latin typeface="Times New Roman" panose="02020603050405020304" pitchFamily="18" charset="0"/>
-                <a:cs typeface="Times New Roman" panose="02020603050405020304" pitchFamily="18" charset="0"/>
-              </a:rPr>
-              <a:t>Area</a:t>
-            </a:r>
-            <a:r>
-              <a:rPr lang="hu-HU" sz="1800" dirty="0">
-                <a:solidFill>
-                  <a:schemeClr val="tx1"/>
-                </a:solidFill>
-                <a:latin typeface="Times New Roman" panose="02020603050405020304" pitchFamily="18" charset="0"/>
-                <a:cs typeface="Times New Roman" panose="02020603050405020304" pitchFamily="18" charset="0"/>
-              </a:rPr>
-              <a:t> Network)</a:t>
-            </a:r>
-          </a:p>
-          <a:p>
-            <a:pPr lvl="1"/>
-            <a:r>
-              <a:rPr lang="hu-HU" sz="1800" dirty="0">
-                <a:solidFill>
-                  <a:schemeClr val="tx1"/>
-                </a:solidFill>
-                <a:latin typeface="Times New Roman" panose="02020603050405020304" pitchFamily="18" charset="0"/>
-                <a:cs typeface="Times New Roman" panose="02020603050405020304" pitchFamily="18" charset="0"/>
-              </a:rPr>
-              <a:t>OSPF (Open </a:t>
-            </a:r>
-            <a:r>
-              <a:rPr lang="hu-HU" sz="1800" dirty="0" err="1">
-                <a:solidFill>
-                  <a:schemeClr val="tx1"/>
-                </a:solidFill>
-                <a:latin typeface="Times New Roman" panose="02020603050405020304" pitchFamily="18" charset="0"/>
-                <a:cs typeface="Times New Roman" panose="02020603050405020304" pitchFamily="18" charset="0"/>
-              </a:rPr>
-              <a:t>Shortest</a:t>
-            </a:r>
-            <a:r>
-              <a:rPr lang="hu-HU" sz="1800" dirty="0">
-                <a:solidFill>
-                  <a:schemeClr val="tx1"/>
-                </a:solidFill>
-                <a:latin typeface="Times New Roman" panose="02020603050405020304" pitchFamily="18" charset="0"/>
-                <a:cs typeface="Times New Roman" panose="02020603050405020304" pitchFamily="18" charset="0"/>
-              </a:rPr>
-              <a:t> </a:t>
-            </a:r>
-            <a:r>
-              <a:rPr lang="hu-HU" sz="1800" dirty="0" err="1">
-                <a:solidFill>
-                  <a:schemeClr val="tx1"/>
-                </a:solidFill>
-                <a:latin typeface="Times New Roman" panose="02020603050405020304" pitchFamily="18" charset="0"/>
-                <a:cs typeface="Times New Roman" panose="02020603050405020304" pitchFamily="18" charset="0"/>
-              </a:rPr>
-              <a:t>Path</a:t>
-            </a:r>
-            <a:r>
-              <a:rPr lang="hu-HU" sz="1800" dirty="0">
-                <a:solidFill>
-                  <a:schemeClr val="tx1"/>
-                </a:solidFill>
-                <a:latin typeface="Times New Roman" panose="02020603050405020304" pitchFamily="18" charset="0"/>
-                <a:cs typeface="Times New Roman" panose="02020603050405020304" pitchFamily="18" charset="0"/>
-              </a:rPr>
-              <a:t> </a:t>
-            </a:r>
-            <a:r>
-              <a:rPr lang="hu-HU" sz="1800" dirty="0" err="1">
-                <a:solidFill>
-                  <a:schemeClr val="tx1"/>
-                </a:solidFill>
-                <a:latin typeface="Times New Roman" panose="02020603050405020304" pitchFamily="18" charset="0"/>
-                <a:cs typeface="Times New Roman" panose="02020603050405020304" pitchFamily="18" charset="0"/>
-              </a:rPr>
-              <a:t>First</a:t>
-            </a:r>
-            <a:r>
-              <a:rPr lang="hu-HU" sz="1800" dirty="0">
-                <a:solidFill>
-                  <a:schemeClr val="tx1"/>
-                </a:solidFill>
-                <a:latin typeface="Times New Roman" panose="02020603050405020304" pitchFamily="18" charset="0"/>
-                <a:cs typeface="Times New Roman" panose="02020603050405020304" pitchFamily="18" charset="0"/>
-              </a:rPr>
-              <a:t>)</a:t>
-            </a:r>
-          </a:p>
-          <a:p>
-            <a:pPr lvl="1"/>
-            <a:r>
-              <a:rPr lang="hu-HU" sz="1800" dirty="0">
-                <a:solidFill>
-                  <a:schemeClr val="tx1"/>
-                </a:solidFill>
-                <a:latin typeface="Times New Roman" panose="02020603050405020304" pitchFamily="18" charset="0"/>
-                <a:cs typeface="Times New Roman" panose="02020603050405020304" pitchFamily="18" charset="0"/>
-              </a:rPr>
-              <a:t>WAN  (Wide </a:t>
-            </a:r>
-            <a:r>
-              <a:rPr lang="hu-HU" sz="1800" dirty="0" err="1">
-                <a:solidFill>
-                  <a:schemeClr val="tx1"/>
-                </a:solidFill>
-                <a:latin typeface="Times New Roman" panose="02020603050405020304" pitchFamily="18" charset="0"/>
-                <a:cs typeface="Times New Roman" panose="02020603050405020304" pitchFamily="18" charset="0"/>
-              </a:rPr>
-              <a:t>Area</a:t>
-            </a:r>
-            <a:r>
-              <a:rPr lang="hu-HU" sz="1800" dirty="0">
-                <a:solidFill>
-                  <a:schemeClr val="tx1"/>
-                </a:solidFill>
-                <a:latin typeface="Times New Roman" panose="02020603050405020304" pitchFamily="18" charset="0"/>
-                <a:cs typeface="Times New Roman" panose="02020603050405020304" pitchFamily="18" charset="0"/>
-              </a:rPr>
-              <a:t> Network)</a:t>
-            </a:r>
-          </a:p>
-          <a:p>
-            <a:pPr lvl="1"/>
-            <a:r>
-              <a:rPr lang="hu-HU" sz="1800" dirty="0">
-                <a:solidFill>
-                  <a:schemeClr val="tx1"/>
-                </a:solidFill>
-                <a:latin typeface="Times New Roman" panose="02020603050405020304" pitchFamily="18" charset="0"/>
-                <a:cs typeface="Times New Roman" panose="02020603050405020304" pitchFamily="18" charset="0"/>
-              </a:rPr>
-              <a:t>VSRP, HSRP (</a:t>
-            </a:r>
-            <a:r>
-              <a:rPr lang="hu-HU" sz="1800" dirty="0" err="1">
-                <a:solidFill>
-                  <a:schemeClr val="tx1"/>
-                </a:solidFill>
-                <a:latin typeface="Times New Roman" panose="02020603050405020304" pitchFamily="18" charset="0"/>
-                <a:cs typeface="Times New Roman" panose="02020603050405020304" pitchFamily="18" charset="0"/>
-              </a:rPr>
-              <a:t>Virtual</a:t>
-            </a:r>
-            <a:r>
-              <a:rPr lang="hu-HU" sz="1800" dirty="0">
-                <a:solidFill>
-                  <a:schemeClr val="tx1"/>
-                </a:solidFill>
-                <a:latin typeface="Times New Roman" panose="02020603050405020304" pitchFamily="18" charset="0"/>
-                <a:cs typeface="Times New Roman" panose="02020603050405020304" pitchFamily="18" charset="0"/>
-              </a:rPr>
-              <a:t> </a:t>
-            </a:r>
-            <a:r>
-              <a:rPr lang="hu-HU" sz="1800" dirty="0" err="1">
-                <a:solidFill>
-                  <a:schemeClr val="tx1"/>
-                </a:solidFill>
-                <a:latin typeface="Times New Roman" panose="02020603050405020304" pitchFamily="18" charset="0"/>
-                <a:cs typeface="Times New Roman" panose="02020603050405020304" pitchFamily="18" charset="0"/>
-              </a:rPr>
-              <a:t>Switch</a:t>
-            </a:r>
-            <a:r>
-              <a:rPr lang="hu-HU" sz="1800" dirty="0">
-                <a:solidFill>
-                  <a:schemeClr val="tx1"/>
-                </a:solidFill>
-                <a:latin typeface="Times New Roman" panose="02020603050405020304" pitchFamily="18" charset="0"/>
-                <a:cs typeface="Times New Roman" panose="02020603050405020304" pitchFamily="18" charset="0"/>
-              </a:rPr>
-              <a:t> </a:t>
-            </a:r>
-            <a:r>
-              <a:rPr lang="hu-HU" sz="1800" dirty="0" err="1">
-                <a:solidFill>
-                  <a:schemeClr val="tx1"/>
-                </a:solidFill>
-                <a:latin typeface="Times New Roman" panose="02020603050405020304" pitchFamily="18" charset="0"/>
-                <a:cs typeface="Times New Roman" panose="02020603050405020304" pitchFamily="18" charset="0"/>
-              </a:rPr>
-              <a:t>Redundancy</a:t>
-            </a:r>
-            <a:r>
-              <a:rPr lang="hu-HU" sz="1800" dirty="0">
-                <a:solidFill>
-                  <a:schemeClr val="tx1"/>
-                </a:solidFill>
-                <a:latin typeface="Times New Roman" panose="02020603050405020304" pitchFamily="18" charset="0"/>
-                <a:cs typeface="Times New Roman" panose="02020603050405020304" pitchFamily="18" charset="0"/>
-              </a:rPr>
-              <a:t> </a:t>
-            </a:r>
-            <a:r>
-              <a:rPr lang="hu-HU" sz="1800" dirty="0" err="1">
-                <a:solidFill>
-                  <a:schemeClr val="tx1"/>
-                </a:solidFill>
-                <a:latin typeface="Times New Roman" panose="02020603050405020304" pitchFamily="18" charset="0"/>
-                <a:cs typeface="Times New Roman" panose="02020603050405020304" pitchFamily="18" charset="0"/>
-              </a:rPr>
-              <a:t>Protocol</a:t>
-            </a:r>
-            <a:r>
-              <a:rPr lang="hu-HU" sz="1800" dirty="0">
-                <a:solidFill>
-                  <a:schemeClr val="tx1"/>
-                </a:solidFill>
-                <a:latin typeface="Times New Roman" panose="02020603050405020304" pitchFamily="18" charset="0"/>
-                <a:cs typeface="Times New Roman" panose="02020603050405020304" pitchFamily="18" charset="0"/>
-              </a:rPr>
-              <a:t>, Hot </a:t>
-            </a:r>
-            <a:r>
-              <a:rPr lang="hu-HU" sz="1800" dirty="0" err="1">
-                <a:solidFill>
-                  <a:schemeClr val="tx1"/>
-                </a:solidFill>
-                <a:latin typeface="Times New Roman" panose="02020603050405020304" pitchFamily="18" charset="0"/>
-                <a:cs typeface="Times New Roman" panose="02020603050405020304" pitchFamily="18" charset="0"/>
-              </a:rPr>
-              <a:t>Standby</a:t>
-            </a:r>
-            <a:r>
-              <a:rPr lang="hu-HU" sz="1800" dirty="0">
-                <a:solidFill>
-                  <a:schemeClr val="tx1"/>
-                </a:solidFill>
-                <a:latin typeface="Times New Roman" panose="02020603050405020304" pitchFamily="18" charset="0"/>
-                <a:cs typeface="Times New Roman" panose="02020603050405020304" pitchFamily="18" charset="0"/>
-              </a:rPr>
-              <a:t> Router </a:t>
-            </a:r>
-            <a:r>
-              <a:rPr lang="hu-HU" sz="1800" dirty="0" err="1">
-                <a:solidFill>
-                  <a:schemeClr val="tx1"/>
-                </a:solidFill>
-                <a:latin typeface="Times New Roman" panose="02020603050405020304" pitchFamily="18" charset="0"/>
-                <a:cs typeface="Times New Roman" panose="02020603050405020304" pitchFamily="18" charset="0"/>
-              </a:rPr>
-              <a:t>Protocol</a:t>
-            </a:r>
-            <a:r>
-              <a:rPr lang="hu-HU" sz="1800" dirty="0">
-                <a:solidFill>
-                  <a:schemeClr val="tx1"/>
-                </a:solidFill>
-                <a:latin typeface="Times New Roman" panose="02020603050405020304" pitchFamily="18" charset="0"/>
-                <a:cs typeface="Times New Roman" panose="02020603050405020304" pitchFamily="18" charset="0"/>
-              </a:rPr>
-              <a:t>)</a:t>
-            </a:r>
-          </a:p>
-          <a:p>
-            <a:pPr lvl="1"/>
-            <a:r>
-              <a:rPr lang="hu-HU" sz="1800" dirty="0">
-                <a:solidFill>
-                  <a:schemeClr val="tx1"/>
-                </a:solidFill>
-                <a:latin typeface="Times New Roman" panose="02020603050405020304" pitchFamily="18" charset="0"/>
-                <a:cs typeface="Times New Roman" panose="02020603050405020304" pitchFamily="18" charset="0"/>
-              </a:rPr>
-              <a:t>VPN (</a:t>
-            </a:r>
-            <a:r>
-              <a:rPr lang="hu-HU" sz="1800" dirty="0" err="1">
-                <a:solidFill>
-                  <a:schemeClr val="tx1"/>
-                </a:solidFill>
-                <a:latin typeface="Times New Roman" panose="02020603050405020304" pitchFamily="18" charset="0"/>
-                <a:cs typeface="Times New Roman" panose="02020603050405020304" pitchFamily="18" charset="0"/>
-              </a:rPr>
-              <a:t>Virtual</a:t>
-            </a:r>
-            <a:r>
-              <a:rPr lang="hu-HU" sz="1800" dirty="0">
-                <a:solidFill>
-                  <a:schemeClr val="tx1"/>
-                </a:solidFill>
-                <a:latin typeface="Times New Roman" panose="02020603050405020304" pitchFamily="18" charset="0"/>
-                <a:cs typeface="Times New Roman" panose="02020603050405020304" pitchFamily="18" charset="0"/>
-              </a:rPr>
-              <a:t> </a:t>
-            </a:r>
-            <a:r>
-              <a:rPr lang="hu-HU" sz="1800" dirty="0" err="1">
-                <a:solidFill>
-                  <a:schemeClr val="tx1"/>
-                </a:solidFill>
-                <a:latin typeface="Times New Roman" panose="02020603050405020304" pitchFamily="18" charset="0"/>
-                <a:cs typeface="Times New Roman" panose="02020603050405020304" pitchFamily="18" charset="0"/>
-              </a:rPr>
-              <a:t>Private</a:t>
-            </a:r>
-            <a:r>
-              <a:rPr lang="hu-HU" sz="1800" dirty="0">
-                <a:solidFill>
-                  <a:schemeClr val="tx1"/>
-                </a:solidFill>
-                <a:latin typeface="Times New Roman" panose="02020603050405020304" pitchFamily="18" charset="0"/>
-                <a:cs typeface="Times New Roman" panose="02020603050405020304" pitchFamily="18" charset="0"/>
-              </a:rPr>
-              <a:t> Network)</a:t>
-            </a:r>
-          </a:p>
-        </p:txBody>
-      </p:sp>
+            <a:r>
+              <a:rPr lang="hu-HU" dirty="0" err="1">
+                <a:solidFill>
+                  <a:schemeClr val="tx1"/>
+                </a:solidFill>
+                <a:latin typeface="Times New Roman" panose="02020603050405020304" pitchFamily="18" charset="0"/>
+                <a:cs typeface="Times New Roman" panose="02020603050405020304" pitchFamily="18" charset="0"/>
+              </a:rPr>
+              <a:t>Ping</a:t>
+            </a:r>
+            <a:r>
+              <a:rPr lang="hu-HU" dirty="0">
+                <a:solidFill>
+                  <a:schemeClr val="tx1"/>
+                </a:solidFill>
+                <a:latin typeface="Times New Roman" panose="02020603050405020304" pitchFamily="18" charset="0"/>
+                <a:cs typeface="Times New Roman" panose="02020603050405020304" pitchFamily="18" charset="0"/>
+              </a:rPr>
+              <a:t> és </a:t>
+            </a:r>
+            <a:r>
+              <a:rPr lang="hu-HU" dirty="0" err="1">
+                <a:solidFill>
+                  <a:schemeClr val="tx1"/>
+                </a:solidFill>
+                <a:latin typeface="Times New Roman" panose="02020603050405020304" pitchFamily="18" charset="0"/>
+                <a:cs typeface="Times New Roman" panose="02020603050405020304" pitchFamily="18" charset="0"/>
+              </a:rPr>
+              <a:t>Traceroute</a:t>
+            </a:r>
+            <a:r>
+              <a:rPr lang="hu-HU" dirty="0">
+                <a:solidFill>
+                  <a:schemeClr val="tx1"/>
+                </a:solidFill>
+                <a:latin typeface="Times New Roman" panose="02020603050405020304" pitchFamily="18" charset="0"/>
+                <a:cs typeface="Times New Roman" panose="02020603050405020304" pitchFamily="18" charset="0"/>
+              </a:rPr>
+              <a:t> tesztek: Elérhetőség, hálózati útvonalak és kapcsolatok ellenőrzése</a:t>
+            </a:r>
+          </a:p>
+          <a:p>
+            <a:r>
+              <a:rPr lang="hu-HU" dirty="0">
+                <a:solidFill>
+                  <a:schemeClr val="tx1"/>
+                </a:solidFill>
+                <a:latin typeface="Times New Roman" panose="02020603050405020304" pitchFamily="18" charset="0"/>
+                <a:cs typeface="Times New Roman" panose="02020603050405020304" pitchFamily="18" charset="0"/>
+              </a:rPr>
+              <a:t>ACL-ek és VLAN-ok tesztelése: Biztonsági intézkedések és szegmentációs beállítások működésének ellenőrzése</a:t>
+            </a:r>
+          </a:p>
+          <a:p>
+            <a:r>
+              <a:rPr lang="hu-HU" dirty="0">
+                <a:solidFill>
+                  <a:schemeClr val="tx1"/>
+                </a:solidFill>
+                <a:latin typeface="Times New Roman" panose="02020603050405020304" pitchFamily="18" charset="0"/>
+                <a:cs typeface="Times New Roman" panose="02020603050405020304" pitchFamily="18" charset="0"/>
+              </a:rPr>
+              <a:t>Redundancia tesztelése: HSRP/VSRP és egyéb redundáns megoldások megfelelő működésének szimulálása hibahelyzetek előidézésével</a:t>
+            </a:r>
+          </a:p>
+          <a:p>
+            <a:r>
+              <a:rPr lang="hu-HU" dirty="0">
+                <a:solidFill>
+                  <a:schemeClr val="tx1"/>
+                </a:solidFill>
+                <a:latin typeface="Times New Roman" panose="02020603050405020304" pitchFamily="18" charset="0"/>
+                <a:cs typeface="Times New Roman" panose="02020603050405020304" pitchFamily="18" charset="0"/>
+              </a:rPr>
+              <a:t>A folyamat és az eredmények dokumentálása</a:t>
+            </a:r>
+          </a:p>
+        </p:txBody>
+      </p:sp>
+      <p:pic>
+        <p:nvPicPr>
+          <p:cNvPr id="4" name="Kép 3">
+            <a:extLst>
+              <a:ext uri="{FF2B5EF4-FFF2-40B4-BE49-F238E27FC236}">
+                <a16:creationId xmlns:a16="http://schemas.microsoft.com/office/drawing/2014/main" id="{465D6CC7-4B28-E2C4-06C1-1B76CFD32893}"/>
+              </a:ext>
+            </a:extLst>
+          </p:cNvPr>
+          <p:cNvPicPr>
+            <a:picLocks noChangeAspect="1"/>
+          </p:cNvPicPr>
+          <p:nvPr/>
+        </p:nvPicPr>
+        <p:blipFill>
+          <a:blip r:embed="rId2">
+            <a:extLst>
+              <a:ext uri="{28A0092B-C50C-407E-A947-70E740481C1C}">
+                <a14:useLocalDpi xmlns:a14="http://schemas.microsoft.com/office/drawing/2010/main" val="0"/>
+              </a:ext>
+            </a:extLst>
+          </a:blip>
+          <a:stretch>
+            <a:fillRect/>
+          </a:stretch>
+        </p:blipFill>
+        <p:spPr>
+          <a:xfrm>
+            <a:off x="3436371" y="4076699"/>
+            <a:ext cx="4943475" cy="2362200"/>
+          </a:xfrm>
+          <a:prstGeom prst="rect">
+            <a:avLst/>
+          </a:prstGeom>
+        </p:spPr>
+      </p:pic>
     </p:spTree>
     <p:extLst>
       <p:ext uri="{BB962C8B-B14F-4D97-AF65-F5344CB8AC3E}">
-        <p14:creationId xmlns:p14="http://schemas.microsoft.com/office/powerpoint/2010/main" val="1625021209"/>
+        <p14:creationId xmlns:p14="http://schemas.microsoft.com/office/powerpoint/2010/main" val="1211521499"/>
       </p:ext>
     </p:extLst>
   </p:cSld>
@@ -5727,7 +6227,7 @@
           <p:cNvPr id="2" name="Cím 1">
             <a:extLst>
               <a:ext uri="{FF2B5EF4-FFF2-40B4-BE49-F238E27FC236}">
-                <a16:creationId xmlns:a16="http://schemas.microsoft.com/office/drawing/2014/main" id="{9850F69A-C33D-4417-BD1D-4EA85A84AFA3}"/>
+                <a16:creationId xmlns:a16="http://schemas.microsoft.com/office/drawing/2014/main" id="{18708E49-8E5F-439D-954B-1F9AD2E2FD52}"/>
               </a:ext>
             </a:extLst>
           </p:cNvPr>
@@ -5747,7 +6247,24 @@
               <a:rPr lang="hu-HU" b="1" dirty="0">
                 <a:latin typeface="Arial Black" panose="020B0A04020102020204" pitchFamily="34" charset="0"/>
               </a:rPr>
-              <a:t>Csoportmunka felosztás</a:t>
+              <a:t>Eszközök</a:t>
+            </a:r>
+            <a:r>
+              <a:rPr lang="hu-HU" b="1" dirty="0">
+                <a:solidFill>
+                  <a:schemeClr val="accent1">
+                    <a:lumMod val="50000"/>
+                  </a:schemeClr>
+                </a:solidFill>
+                <a:latin typeface="Arial Black" panose="020B0A04020102020204" pitchFamily="34" charset="0"/>
+              </a:rPr>
+              <a:t> </a:t>
+            </a:r>
+            <a:r>
+              <a:rPr lang="hu-HU" b="1" dirty="0">
+                <a:latin typeface="Arial Black" panose="020B0A04020102020204" pitchFamily="34" charset="0"/>
+              </a:rPr>
+              <a:t>konfigurálása</a:t>
             </a:r>
             <a:br>
               <a:rPr lang="hu-HU" b="1" dirty="0"/>
@@ -5761,7 +6278,7 @@
           <p:cNvPr id="3" name="Tartalom helye 2">
             <a:extLst>
               <a:ext uri="{FF2B5EF4-FFF2-40B4-BE49-F238E27FC236}">
-                <a16:creationId xmlns:a16="http://schemas.microsoft.com/office/drawing/2014/main" id="{111F7944-3311-4C2E-AC25-C82C0EC8185D}"/>
+                <a16:creationId xmlns:a16="http://schemas.microsoft.com/office/drawing/2014/main" id="{9494CE0A-B4A8-45BF-8963-73E7653A7053}"/>
               </a:ext>
             </a:extLst>
           </p:cNvPr>
@@ -5774,13 +6291,13 @@
         </p:nvSpPr>
         <p:spPr>
           <a:xfrm>
-            <a:off x="581193" y="2739296"/>
+            <a:off x="454192" y="1964596"/>
             <a:ext cx="11029615" cy="3678303"/>
           </a:xfrm>
         </p:spPr>
         <p:txBody>
           <a:bodyPr>
-            <a:normAutofit fontScale="62500" lnSpcReduction="20000"/>
+            <a:normAutofit/>
           </a:bodyPr>
           <a:lstStyle/>
           <a:p>
@@ -5788,256 +6305,506 @@
               <a:buNone/>
             </a:pPr>
             <a:r>
-              <a:rPr lang="hu-HU" sz="3400" b="1" dirty="0">
-                <a:solidFill>
-                  <a:schemeClr val="tx1"/>
-                </a:solidFill>
-                <a:latin typeface="Times New Roman" panose="02020603050405020304" pitchFamily="18" charset="0"/>
-                <a:cs typeface="Times New Roman" panose="02020603050405020304" pitchFamily="18" charset="0"/>
-              </a:rPr>
-              <a:t>Berki Dorina</a:t>
-            </a:r>
-            <a:r>
-              <a:rPr lang="hu-HU" sz="2800" b="1" dirty="0">
-                <a:solidFill>
-                  <a:schemeClr val="tx1"/>
-                </a:solidFill>
+              <a:rPr lang="hu-HU" sz="2000" b="1" dirty="0">
+                <a:solidFill>
+                  <a:schemeClr val="tx1"/>
+                </a:solidFill>
+                <a:latin typeface="Times New Roman" panose="02020603050405020304" pitchFamily="18" charset="0"/>
+                <a:cs typeface="Times New Roman" panose="02020603050405020304" pitchFamily="18" charset="0"/>
+              </a:rPr>
+              <a:t>Konfiguráláshoz</a:t>
+            </a:r>
+            <a:r>
+              <a:rPr lang="hu-HU" sz="2000" b="1" dirty="0">
+                <a:latin typeface="Times New Roman" panose="02020603050405020304" pitchFamily="18" charset="0"/>
+                <a:cs typeface="Times New Roman" panose="02020603050405020304" pitchFamily="18" charset="0"/>
+              </a:rPr>
+              <a:t> </a:t>
+            </a:r>
+            <a:r>
+              <a:rPr lang="hu-HU" sz="2000" b="1" dirty="0">
+                <a:solidFill>
+                  <a:schemeClr val="tx1"/>
+                </a:solidFill>
+                <a:latin typeface="Times New Roman" panose="02020603050405020304" pitchFamily="18" charset="0"/>
+                <a:cs typeface="Times New Roman" panose="02020603050405020304" pitchFamily="18" charset="0"/>
+              </a:rPr>
+              <a:t>használt technológiák</a:t>
+            </a:r>
+            <a:r>
+              <a:rPr lang="hu-HU" sz="2000" b="1" dirty="0">
                 <a:latin typeface="Times New Roman" panose="02020603050405020304" pitchFamily="18" charset="0"/>
                 <a:cs typeface="Times New Roman" panose="02020603050405020304" pitchFamily="18" charset="0"/>
               </a:rPr>
               <a:t>:</a:t>
-            </a:r>
-          </a:p>
-          <a:p>
-            <a:r>
-              <a:rPr lang="hu-HU" sz="2900" b="1" dirty="0">
-                <a:solidFill>
-                  <a:schemeClr val="tx1"/>
-                </a:solidFill>
-                <a:latin typeface="Times New Roman" panose="02020603050405020304" pitchFamily="18" charset="0"/>
-                <a:cs typeface="Times New Roman" panose="02020603050405020304" pitchFamily="18" charset="0"/>
-              </a:rPr>
-              <a:t>Linux kiszolgáló</a:t>
-            </a:r>
-            <a:r>
-              <a:rPr lang="hu-HU" sz="3400" b="1" dirty="0">
-                <a:solidFill>
-                  <a:schemeClr val="tx1"/>
-                </a:solidFill>
-                <a:latin typeface="Times New Roman" panose="02020603050405020304" pitchFamily="18" charset="0"/>
-                <a:cs typeface="Times New Roman" panose="02020603050405020304" pitchFamily="18" charset="0"/>
-              </a:rPr>
-              <a:t>:</a:t>
-            </a:r>
-            <a:r>
-              <a:rPr lang="hu-HU" sz="2900" b="1" dirty="0">
-                <a:solidFill>
-                  <a:schemeClr val="tx1"/>
-                </a:solidFill>
-                <a:latin typeface="Times New Roman" panose="02020603050405020304" pitchFamily="18" charset="0"/>
-                <a:cs typeface="Times New Roman" panose="02020603050405020304" pitchFamily="18" charset="0"/>
-              </a:rPr>
-              <a:t>DHCP,DNS</a:t>
             </a:r>
           </a:p>
           <a:p>
             <a:pPr marL="0" indent="0">
               <a:buNone/>
             </a:pPr>
-            <a:endParaRPr lang="hu-HU" sz="2000" b="1" dirty="0">
-              <a:solidFill>
-                <a:schemeClr val="tx1"/>
-              </a:solidFill>
+            <a:endParaRPr lang="hu-HU" dirty="0">
               <a:latin typeface="Times New Roman" panose="02020603050405020304" pitchFamily="18" charset="0"/>
               <a:cs typeface="Times New Roman" panose="02020603050405020304" pitchFamily="18" charset="0"/>
             </a:endParaRPr>
           </a:p>
           <a:p>
-            <a:pPr marL="0" indent="0">
-              <a:buNone/>
-            </a:pPr>
-            <a:r>
-              <a:rPr lang="hu-HU" sz="3400" b="1" dirty="0">
-                <a:solidFill>
-                  <a:schemeClr val="tx1"/>
-                </a:solidFill>
-                <a:latin typeface="Times New Roman" panose="02020603050405020304" pitchFamily="18" charset="0"/>
-                <a:cs typeface="Times New Roman" panose="02020603050405020304" pitchFamily="18" charset="0"/>
-              </a:rPr>
-              <a:t>Csépányi</a:t>
-            </a:r>
-            <a:r>
-              <a:rPr lang="hu-HU" sz="2800" dirty="0">
-                <a:solidFill>
-                  <a:schemeClr val="tx1"/>
-                </a:solidFill>
-                <a:latin typeface="Times New Roman" panose="02020603050405020304" pitchFamily="18" charset="0"/>
-                <a:cs typeface="Times New Roman" panose="02020603050405020304" pitchFamily="18" charset="0"/>
-              </a:rPr>
-              <a:t>-</a:t>
-            </a:r>
-            <a:r>
-              <a:rPr lang="hu-HU" sz="3400" b="1" dirty="0">
-                <a:solidFill>
-                  <a:schemeClr val="tx1"/>
-                </a:solidFill>
-                <a:latin typeface="Times New Roman" panose="02020603050405020304" pitchFamily="18" charset="0"/>
-                <a:cs typeface="Times New Roman" panose="02020603050405020304" pitchFamily="18" charset="0"/>
-              </a:rPr>
-              <a:t>Bárdos Letícia:</a:t>
-            </a:r>
-            <a:r>
-              <a:rPr lang="hu-HU" sz="3400" b="1" dirty="0"/>
-              <a:t> </a:t>
-            </a:r>
-            <a:endParaRPr lang="hu-HU" sz="3400" dirty="0"/>
-          </a:p>
-          <a:p>
-            <a:pPr lvl="0"/>
-            <a:r>
-              <a:rPr lang="hu-HU" sz="2900" b="1" dirty="0">
-                <a:solidFill>
-                  <a:schemeClr val="tx1"/>
-                </a:solidFill>
-                <a:latin typeface="Times New Roman" panose="02020603050405020304" pitchFamily="18" charset="0"/>
-                <a:cs typeface="Times New Roman" panose="02020603050405020304" pitchFamily="18" charset="0"/>
-              </a:rPr>
-              <a:t>Dokumentáció,</a:t>
-            </a:r>
-          </a:p>
-          <a:p>
-            <a:pPr lvl="0"/>
-            <a:r>
-              <a:rPr lang="hu-HU" sz="2900" b="1" dirty="0">
-                <a:solidFill>
-                  <a:schemeClr val="tx1"/>
-                </a:solidFill>
-                <a:latin typeface="Times New Roman" panose="02020603050405020304" pitchFamily="18" charset="0"/>
-                <a:cs typeface="Times New Roman" panose="02020603050405020304" pitchFamily="18" charset="0"/>
-              </a:rPr>
-              <a:t>Magyar nyelvű prezentáció</a:t>
-            </a:r>
-            <a:r>
-              <a:rPr lang="hu-HU" sz="2900" dirty="0">
-                <a:solidFill>
-                  <a:schemeClr val="tx1"/>
-                </a:solidFill>
-                <a:latin typeface="Times New Roman" panose="02020603050405020304" pitchFamily="18" charset="0"/>
-                <a:cs typeface="Times New Roman" panose="02020603050405020304" pitchFamily="18" charset="0"/>
-              </a:rPr>
-              <a:t>, </a:t>
-            </a:r>
-          </a:p>
-          <a:p>
-            <a:pPr lvl="0"/>
-            <a:endParaRPr lang="hu-HU" b="1" dirty="0">
-              <a:solidFill>
-                <a:schemeClr val="tx1"/>
-              </a:solidFill>
-            </a:endParaRPr>
-          </a:p>
-          <a:p>
-            <a:pPr marL="0" indent="0">
-              <a:buNone/>
-            </a:pPr>
-            <a:r>
-              <a:rPr lang="hu-HU" sz="3400" b="1" dirty="0">
-                <a:solidFill>
-                  <a:schemeClr val="tx1"/>
-                </a:solidFill>
-                <a:latin typeface="Times New Roman" panose="02020603050405020304" pitchFamily="18" charset="0"/>
-                <a:cs typeface="Times New Roman" panose="02020603050405020304" pitchFamily="18" charset="0"/>
-              </a:rPr>
-              <a:t>Budai József:</a:t>
-            </a:r>
-            <a:endParaRPr lang="hu-HU" sz="3400" dirty="0"/>
-          </a:p>
-          <a:p>
-            <a:pPr lvl="0"/>
-            <a:r>
-              <a:rPr lang="hu-HU" sz="2900" b="1" dirty="0">
-                <a:solidFill>
-                  <a:schemeClr val="tx1"/>
-                </a:solidFill>
-                <a:latin typeface="Times New Roman" panose="02020603050405020304" pitchFamily="18" charset="0"/>
-                <a:cs typeface="Times New Roman" panose="02020603050405020304" pitchFamily="18" charset="0"/>
-              </a:rPr>
-              <a:t>Hálózati topológia elkészítése,programozása,</a:t>
-            </a:r>
-          </a:p>
-          <a:p>
-            <a:pPr lvl="0"/>
-            <a:r>
-              <a:rPr lang="hu-HU" sz="2900" b="1" dirty="0">
-                <a:solidFill>
-                  <a:schemeClr val="tx1"/>
-                </a:solidFill>
-                <a:latin typeface="Times New Roman" panose="02020603050405020304" pitchFamily="18" charset="0"/>
-                <a:cs typeface="Times New Roman" panose="02020603050405020304" pitchFamily="18" charset="0"/>
-              </a:rPr>
-              <a:t>Angol nyelvű prezentáció</a:t>
-            </a:r>
-            <a:r>
-              <a:rPr lang="hu-HU" sz="2000" b="1" dirty="0">
-                <a:solidFill>
-                  <a:schemeClr val="tx1"/>
-                </a:solidFill>
-                <a:latin typeface="Times New Roman" panose="02020603050405020304" pitchFamily="18" charset="0"/>
-                <a:cs typeface="Times New Roman" panose="02020603050405020304" pitchFamily="18" charset="0"/>
-              </a:rPr>
-              <a:t>.</a:t>
-            </a:r>
-            <a:endParaRPr lang="hu-HU" sz="2000" dirty="0">
-              <a:solidFill>
-                <a:schemeClr val="tx1"/>
-              </a:solidFill>
-              <a:latin typeface="Times New Roman" panose="02020603050405020304" pitchFamily="18" charset="0"/>
-              <a:cs typeface="Times New Roman" panose="02020603050405020304" pitchFamily="18" charset="0"/>
-            </a:endParaRPr>
-          </a:p>
-          <a:p>
-            <a:pPr marL="0" indent="0">
-              <a:buNone/>
-            </a:pPr>
-            <a:endParaRPr lang="hu-HU" sz="2000" b="1" dirty="0">
-              <a:solidFill>
-                <a:schemeClr val="tx1"/>
-              </a:solidFill>
-              <a:latin typeface="Times New Roman" panose="02020603050405020304" pitchFamily="18" charset="0"/>
-              <a:cs typeface="Times New Roman" panose="02020603050405020304" pitchFamily="18" charset="0"/>
-            </a:endParaRPr>
-          </a:p>
-          <a:p>
-            <a:pPr marL="0" indent="0">
-              <a:buNone/>
-            </a:pPr>
-            <a:endParaRPr lang="hu-HU" sz="2000" b="1" dirty="0">
-              <a:solidFill>
-                <a:schemeClr val="tx1"/>
-              </a:solidFill>
-              <a:latin typeface="Times New Roman" panose="02020603050405020304" pitchFamily="18" charset="0"/>
-              <a:cs typeface="Times New Roman" panose="02020603050405020304" pitchFamily="18" charset="0"/>
-            </a:endParaRPr>
+            <a:pPr lvl="1"/>
+            <a:r>
+              <a:rPr lang="hu-HU" sz="1800" dirty="0">
+                <a:solidFill>
+                  <a:schemeClr val="tx1"/>
+                </a:solidFill>
+                <a:latin typeface="Times New Roman" panose="02020603050405020304" pitchFamily="18" charset="0"/>
+                <a:cs typeface="Times New Roman" panose="02020603050405020304" pitchFamily="18" charset="0"/>
+              </a:rPr>
+              <a:t>DHCP (</a:t>
+            </a:r>
+            <a:r>
+              <a:rPr lang="hu-HU" sz="1800" dirty="0" err="1">
+                <a:solidFill>
+                  <a:schemeClr val="tx1"/>
+                </a:solidFill>
+                <a:latin typeface="Times New Roman" panose="02020603050405020304" pitchFamily="18" charset="0"/>
+                <a:cs typeface="Times New Roman" panose="02020603050405020304" pitchFamily="18" charset="0"/>
+              </a:rPr>
+              <a:t>Dynamic</a:t>
+            </a:r>
+            <a:r>
+              <a:rPr lang="hu-HU" sz="1800" dirty="0">
+                <a:solidFill>
+                  <a:schemeClr val="tx1"/>
+                </a:solidFill>
+                <a:latin typeface="Times New Roman" panose="02020603050405020304" pitchFamily="18" charset="0"/>
+                <a:cs typeface="Times New Roman" panose="02020603050405020304" pitchFamily="18" charset="0"/>
+              </a:rPr>
+              <a:t> </a:t>
+            </a:r>
+            <a:r>
+              <a:rPr lang="hu-HU" sz="1800" dirty="0" err="1">
+                <a:solidFill>
+                  <a:schemeClr val="tx1"/>
+                </a:solidFill>
+                <a:latin typeface="Times New Roman" panose="02020603050405020304" pitchFamily="18" charset="0"/>
+                <a:cs typeface="Times New Roman" panose="02020603050405020304" pitchFamily="18" charset="0"/>
+              </a:rPr>
+              <a:t>Host</a:t>
+            </a:r>
+            <a:r>
+              <a:rPr lang="hu-HU" sz="1800" dirty="0">
+                <a:solidFill>
+                  <a:schemeClr val="tx1"/>
+                </a:solidFill>
+                <a:latin typeface="Times New Roman" panose="02020603050405020304" pitchFamily="18" charset="0"/>
+                <a:cs typeface="Times New Roman" panose="02020603050405020304" pitchFamily="18" charset="0"/>
+              </a:rPr>
+              <a:t> </a:t>
+            </a:r>
+            <a:r>
+              <a:rPr lang="hu-HU" sz="1800" dirty="0" err="1">
+                <a:solidFill>
+                  <a:schemeClr val="tx1"/>
+                </a:solidFill>
+                <a:latin typeface="Times New Roman" panose="02020603050405020304" pitchFamily="18" charset="0"/>
+                <a:cs typeface="Times New Roman" panose="02020603050405020304" pitchFamily="18" charset="0"/>
+              </a:rPr>
+              <a:t>Configuration</a:t>
+            </a:r>
+            <a:r>
+              <a:rPr lang="hu-HU" sz="1800" dirty="0">
+                <a:solidFill>
+                  <a:schemeClr val="tx1"/>
+                </a:solidFill>
+                <a:latin typeface="Times New Roman" panose="02020603050405020304" pitchFamily="18" charset="0"/>
+                <a:cs typeface="Times New Roman" panose="02020603050405020304" pitchFamily="18" charset="0"/>
+              </a:rPr>
+              <a:t> </a:t>
+            </a:r>
+            <a:r>
+              <a:rPr lang="hu-HU" sz="1800" dirty="0" err="1">
+                <a:solidFill>
+                  <a:schemeClr val="tx1"/>
+                </a:solidFill>
+                <a:latin typeface="Times New Roman" panose="02020603050405020304" pitchFamily="18" charset="0"/>
+                <a:cs typeface="Times New Roman" panose="02020603050405020304" pitchFamily="18" charset="0"/>
+              </a:rPr>
+              <a:t>Protocol</a:t>
+            </a:r>
+            <a:r>
+              <a:rPr lang="hu-HU" sz="1800" dirty="0">
+                <a:solidFill>
+                  <a:schemeClr val="tx1"/>
+                </a:solidFill>
+                <a:latin typeface="Times New Roman" panose="02020603050405020304" pitchFamily="18" charset="0"/>
+                <a:cs typeface="Times New Roman" panose="02020603050405020304" pitchFamily="18" charset="0"/>
+              </a:rPr>
+              <a:t>,</a:t>
+            </a:r>
+          </a:p>
+          <a:p>
+            <a:pPr lvl="1"/>
+            <a:r>
+              <a:rPr lang="hu-HU" sz="1800" dirty="0">
+                <a:solidFill>
+                  <a:schemeClr val="tx1"/>
+                </a:solidFill>
+                <a:latin typeface="Times New Roman" panose="02020603050405020304" pitchFamily="18" charset="0"/>
+                <a:cs typeface="Times New Roman" panose="02020603050405020304" pitchFamily="18" charset="0"/>
+              </a:rPr>
+              <a:t>VLAN (</a:t>
+            </a:r>
+            <a:r>
+              <a:rPr lang="hu-HU" sz="1800" dirty="0" err="1">
+                <a:solidFill>
+                  <a:schemeClr val="tx1"/>
+                </a:solidFill>
+                <a:latin typeface="Times New Roman" panose="02020603050405020304" pitchFamily="18" charset="0"/>
+                <a:cs typeface="Times New Roman" panose="02020603050405020304" pitchFamily="18" charset="0"/>
+              </a:rPr>
+              <a:t>Virtual</a:t>
+            </a:r>
+            <a:r>
+              <a:rPr lang="hu-HU" sz="1800" dirty="0">
+                <a:solidFill>
+                  <a:schemeClr val="tx1"/>
+                </a:solidFill>
+                <a:latin typeface="Times New Roman" panose="02020603050405020304" pitchFamily="18" charset="0"/>
+                <a:cs typeface="Times New Roman" panose="02020603050405020304" pitchFamily="18" charset="0"/>
+              </a:rPr>
+              <a:t> Local </a:t>
+            </a:r>
+            <a:r>
+              <a:rPr lang="hu-HU" sz="1800" dirty="0" err="1">
+                <a:solidFill>
+                  <a:schemeClr val="tx1"/>
+                </a:solidFill>
+                <a:latin typeface="Times New Roman" panose="02020603050405020304" pitchFamily="18" charset="0"/>
+                <a:cs typeface="Times New Roman" panose="02020603050405020304" pitchFamily="18" charset="0"/>
+              </a:rPr>
+              <a:t>Area</a:t>
+            </a:r>
+            <a:r>
+              <a:rPr lang="hu-HU" sz="1800" dirty="0">
+                <a:solidFill>
+                  <a:schemeClr val="tx1"/>
+                </a:solidFill>
+                <a:latin typeface="Times New Roman" panose="02020603050405020304" pitchFamily="18" charset="0"/>
+                <a:cs typeface="Times New Roman" panose="02020603050405020304" pitchFamily="18" charset="0"/>
+              </a:rPr>
+              <a:t> Network),</a:t>
+            </a:r>
+          </a:p>
+          <a:p>
+            <a:pPr lvl="1"/>
+            <a:r>
+              <a:rPr lang="hu-HU" sz="1800" dirty="0">
+                <a:solidFill>
+                  <a:schemeClr val="tx1"/>
+                </a:solidFill>
+                <a:latin typeface="Times New Roman" panose="02020603050405020304" pitchFamily="18" charset="0"/>
+                <a:cs typeface="Times New Roman" panose="02020603050405020304" pitchFamily="18" charset="0"/>
+              </a:rPr>
+              <a:t>OSPF (Open </a:t>
+            </a:r>
+            <a:r>
+              <a:rPr lang="hu-HU" sz="1800" dirty="0" err="1">
+                <a:solidFill>
+                  <a:schemeClr val="tx1"/>
+                </a:solidFill>
+                <a:latin typeface="Times New Roman" panose="02020603050405020304" pitchFamily="18" charset="0"/>
+                <a:cs typeface="Times New Roman" panose="02020603050405020304" pitchFamily="18" charset="0"/>
+              </a:rPr>
+              <a:t>Shortest</a:t>
+            </a:r>
+            <a:r>
+              <a:rPr lang="hu-HU" sz="1800" dirty="0">
+                <a:solidFill>
+                  <a:schemeClr val="tx1"/>
+                </a:solidFill>
+                <a:latin typeface="Times New Roman" panose="02020603050405020304" pitchFamily="18" charset="0"/>
+                <a:cs typeface="Times New Roman" panose="02020603050405020304" pitchFamily="18" charset="0"/>
+              </a:rPr>
+              <a:t> </a:t>
+            </a:r>
+            <a:r>
+              <a:rPr lang="hu-HU" sz="1800" dirty="0" err="1">
+                <a:solidFill>
+                  <a:schemeClr val="tx1"/>
+                </a:solidFill>
+                <a:latin typeface="Times New Roman" panose="02020603050405020304" pitchFamily="18" charset="0"/>
+                <a:cs typeface="Times New Roman" panose="02020603050405020304" pitchFamily="18" charset="0"/>
+              </a:rPr>
+              <a:t>Path</a:t>
+            </a:r>
+            <a:r>
+              <a:rPr lang="hu-HU" sz="1800" dirty="0">
+                <a:solidFill>
+                  <a:schemeClr val="tx1"/>
+                </a:solidFill>
+                <a:latin typeface="Times New Roman" panose="02020603050405020304" pitchFamily="18" charset="0"/>
+                <a:cs typeface="Times New Roman" panose="02020603050405020304" pitchFamily="18" charset="0"/>
+              </a:rPr>
+              <a:t> </a:t>
+            </a:r>
+            <a:r>
+              <a:rPr lang="hu-HU" sz="1800" dirty="0" err="1">
+                <a:solidFill>
+                  <a:schemeClr val="tx1"/>
+                </a:solidFill>
+                <a:latin typeface="Times New Roman" panose="02020603050405020304" pitchFamily="18" charset="0"/>
+                <a:cs typeface="Times New Roman" panose="02020603050405020304" pitchFamily="18" charset="0"/>
+              </a:rPr>
+              <a:t>First</a:t>
+            </a:r>
+            <a:r>
+              <a:rPr lang="hu-HU" sz="1800" dirty="0">
+                <a:solidFill>
+                  <a:schemeClr val="tx1"/>
+                </a:solidFill>
+                <a:latin typeface="Times New Roman" panose="02020603050405020304" pitchFamily="18" charset="0"/>
+                <a:cs typeface="Times New Roman" panose="02020603050405020304" pitchFamily="18" charset="0"/>
+              </a:rPr>
+              <a:t>),</a:t>
+            </a:r>
+          </a:p>
+          <a:p>
+            <a:pPr lvl="1"/>
+            <a:r>
+              <a:rPr lang="hu-HU" sz="1800" dirty="0">
+                <a:solidFill>
+                  <a:schemeClr val="tx1"/>
+                </a:solidFill>
+                <a:latin typeface="Times New Roman" panose="02020603050405020304" pitchFamily="18" charset="0"/>
+                <a:cs typeface="Times New Roman" panose="02020603050405020304" pitchFamily="18" charset="0"/>
+              </a:rPr>
+              <a:t>WAN  (Wide </a:t>
+            </a:r>
+            <a:r>
+              <a:rPr lang="hu-HU" sz="1800" dirty="0" err="1">
+                <a:solidFill>
+                  <a:schemeClr val="tx1"/>
+                </a:solidFill>
+                <a:latin typeface="Times New Roman" panose="02020603050405020304" pitchFamily="18" charset="0"/>
+                <a:cs typeface="Times New Roman" panose="02020603050405020304" pitchFamily="18" charset="0"/>
+              </a:rPr>
+              <a:t>Area</a:t>
+            </a:r>
+            <a:r>
+              <a:rPr lang="hu-HU" sz="1800" dirty="0">
+                <a:solidFill>
+                  <a:schemeClr val="tx1"/>
+                </a:solidFill>
+                <a:latin typeface="Times New Roman" panose="02020603050405020304" pitchFamily="18" charset="0"/>
+                <a:cs typeface="Times New Roman" panose="02020603050405020304" pitchFamily="18" charset="0"/>
+              </a:rPr>
+              <a:t> Network),</a:t>
+            </a:r>
+          </a:p>
+          <a:p>
+            <a:pPr lvl="1"/>
+            <a:r>
+              <a:rPr lang="hu-HU" sz="1800" dirty="0">
+                <a:solidFill>
+                  <a:schemeClr val="tx1"/>
+                </a:solidFill>
+                <a:latin typeface="Times New Roman" panose="02020603050405020304" pitchFamily="18" charset="0"/>
+                <a:cs typeface="Times New Roman" panose="02020603050405020304" pitchFamily="18" charset="0"/>
+              </a:rPr>
+              <a:t>VSRP, HSRP (</a:t>
+            </a:r>
+            <a:r>
+              <a:rPr lang="hu-HU" sz="1800" dirty="0" err="1">
+                <a:solidFill>
+                  <a:schemeClr val="tx1"/>
+                </a:solidFill>
+                <a:latin typeface="Times New Roman" panose="02020603050405020304" pitchFamily="18" charset="0"/>
+                <a:cs typeface="Times New Roman" panose="02020603050405020304" pitchFamily="18" charset="0"/>
+              </a:rPr>
+              <a:t>Virtual</a:t>
+            </a:r>
+            <a:r>
+              <a:rPr lang="hu-HU" sz="1800" dirty="0">
+                <a:solidFill>
+                  <a:schemeClr val="tx1"/>
+                </a:solidFill>
+                <a:latin typeface="Times New Roman" panose="02020603050405020304" pitchFamily="18" charset="0"/>
+                <a:cs typeface="Times New Roman" panose="02020603050405020304" pitchFamily="18" charset="0"/>
+              </a:rPr>
+              <a:t> </a:t>
+            </a:r>
+            <a:r>
+              <a:rPr lang="hu-HU" sz="1800" dirty="0" err="1">
+                <a:solidFill>
+                  <a:schemeClr val="tx1"/>
+                </a:solidFill>
+                <a:latin typeface="Times New Roman" panose="02020603050405020304" pitchFamily="18" charset="0"/>
+                <a:cs typeface="Times New Roman" panose="02020603050405020304" pitchFamily="18" charset="0"/>
+              </a:rPr>
+              <a:t>Switch</a:t>
+            </a:r>
+            <a:r>
+              <a:rPr lang="hu-HU" sz="1800" dirty="0">
+                <a:solidFill>
+                  <a:schemeClr val="tx1"/>
+                </a:solidFill>
+                <a:latin typeface="Times New Roman" panose="02020603050405020304" pitchFamily="18" charset="0"/>
+                <a:cs typeface="Times New Roman" panose="02020603050405020304" pitchFamily="18" charset="0"/>
+              </a:rPr>
+              <a:t> </a:t>
+            </a:r>
+            <a:r>
+              <a:rPr lang="hu-HU" sz="1800" dirty="0" err="1">
+                <a:solidFill>
+                  <a:schemeClr val="tx1"/>
+                </a:solidFill>
+                <a:latin typeface="Times New Roman" panose="02020603050405020304" pitchFamily="18" charset="0"/>
+                <a:cs typeface="Times New Roman" panose="02020603050405020304" pitchFamily="18" charset="0"/>
+              </a:rPr>
+              <a:t>Redundancy</a:t>
+            </a:r>
+            <a:r>
+              <a:rPr lang="hu-HU" sz="1800" dirty="0">
+                <a:solidFill>
+                  <a:schemeClr val="tx1"/>
+                </a:solidFill>
+                <a:latin typeface="Times New Roman" panose="02020603050405020304" pitchFamily="18" charset="0"/>
+                <a:cs typeface="Times New Roman" panose="02020603050405020304" pitchFamily="18" charset="0"/>
+              </a:rPr>
+              <a:t> </a:t>
+            </a:r>
+            <a:r>
+              <a:rPr lang="hu-HU" sz="1800" dirty="0" err="1">
+                <a:solidFill>
+                  <a:schemeClr val="tx1"/>
+                </a:solidFill>
+                <a:latin typeface="Times New Roman" panose="02020603050405020304" pitchFamily="18" charset="0"/>
+                <a:cs typeface="Times New Roman" panose="02020603050405020304" pitchFamily="18" charset="0"/>
+              </a:rPr>
+              <a:t>Protocol</a:t>
+            </a:r>
+            <a:r>
+              <a:rPr lang="hu-HU" sz="1800" dirty="0">
+                <a:solidFill>
+                  <a:schemeClr val="tx1"/>
+                </a:solidFill>
+                <a:latin typeface="Times New Roman" panose="02020603050405020304" pitchFamily="18" charset="0"/>
+                <a:cs typeface="Times New Roman" panose="02020603050405020304" pitchFamily="18" charset="0"/>
+              </a:rPr>
+              <a:t>, Hot </a:t>
+            </a:r>
+            <a:r>
+              <a:rPr lang="hu-HU" sz="1800" dirty="0" err="1">
+                <a:solidFill>
+                  <a:schemeClr val="tx1"/>
+                </a:solidFill>
+                <a:latin typeface="Times New Roman" panose="02020603050405020304" pitchFamily="18" charset="0"/>
+                <a:cs typeface="Times New Roman" panose="02020603050405020304" pitchFamily="18" charset="0"/>
+              </a:rPr>
+              <a:t>Standby</a:t>
+            </a:r>
+            <a:r>
+              <a:rPr lang="hu-HU" sz="1800" dirty="0">
+                <a:solidFill>
+                  <a:schemeClr val="tx1"/>
+                </a:solidFill>
+                <a:latin typeface="Times New Roman" panose="02020603050405020304" pitchFamily="18" charset="0"/>
+                <a:cs typeface="Times New Roman" panose="02020603050405020304" pitchFamily="18" charset="0"/>
+              </a:rPr>
+              <a:t> Router </a:t>
+            </a:r>
+            <a:r>
+              <a:rPr lang="hu-HU" sz="1800" dirty="0" err="1">
+                <a:solidFill>
+                  <a:schemeClr val="tx1"/>
+                </a:solidFill>
+                <a:latin typeface="Times New Roman" panose="02020603050405020304" pitchFamily="18" charset="0"/>
+                <a:cs typeface="Times New Roman" panose="02020603050405020304" pitchFamily="18" charset="0"/>
+              </a:rPr>
+              <a:t>Protocol</a:t>
+            </a:r>
+            <a:r>
+              <a:rPr lang="hu-HU" sz="1800" dirty="0">
+                <a:solidFill>
+                  <a:schemeClr val="tx1"/>
+                </a:solidFill>
+                <a:latin typeface="Times New Roman" panose="02020603050405020304" pitchFamily="18" charset="0"/>
+                <a:cs typeface="Times New Roman" panose="02020603050405020304" pitchFamily="18" charset="0"/>
+              </a:rPr>
+              <a:t>),</a:t>
+            </a:r>
+          </a:p>
+          <a:p>
+            <a:pPr lvl="1"/>
+            <a:r>
+              <a:rPr lang="hu-HU" sz="1800" dirty="0">
+                <a:solidFill>
+                  <a:schemeClr val="tx1"/>
+                </a:solidFill>
+                <a:latin typeface="Times New Roman" panose="02020603050405020304" pitchFamily="18" charset="0"/>
+                <a:cs typeface="Times New Roman" panose="02020603050405020304" pitchFamily="18" charset="0"/>
+              </a:rPr>
+              <a:t>VPN (</a:t>
+            </a:r>
+            <a:r>
+              <a:rPr lang="hu-HU" sz="1800" dirty="0" err="1">
+                <a:solidFill>
+                  <a:schemeClr val="tx1"/>
+                </a:solidFill>
+                <a:latin typeface="Times New Roman" panose="02020603050405020304" pitchFamily="18" charset="0"/>
+                <a:cs typeface="Times New Roman" panose="02020603050405020304" pitchFamily="18" charset="0"/>
+              </a:rPr>
+              <a:t>Virtual</a:t>
+            </a:r>
+            <a:r>
+              <a:rPr lang="hu-HU" sz="1800" dirty="0">
+                <a:solidFill>
+                  <a:schemeClr val="tx1"/>
+                </a:solidFill>
+                <a:latin typeface="Times New Roman" panose="02020603050405020304" pitchFamily="18" charset="0"/>
+                <a:cs typeface="Times New Roman" panose="02020603050405020304" pitchFamily="18" charset="0"/>
+              </a:rPr>
+              <a:t> </a:t>
+            </a:r>
+            <a:r>
+              <a:rPr lang="hu-HU" sz="1800" dirty="0" err="1">
+                <a:solidFill>
+                  <a:schemeClr val="tx1"/>
+                </a:solidFill>
+                <a:latin typeface="Times New Roman" panose="02020603050405020304" pitchFamily="18" charset="0"/>
+                <a:cs typeface="Times New Roman" panose="02020603050405020304" pitchFamily="18" charset="0"/>
+              </a:rPr>
+              <a:t>Private</a:t>
+            </a:r>
+            <a:r>
+              <a:rPr lang="hu-HU" sz="1800" dirty="0">
+                <a:solidFill>
+                  <a:schemeClr val="tx1"/>
+                </a:solidFill>
+                <a:latin typeface="Times New Roman" panose="02020603050405020304" pitchFamily="18" charset="0"/>
+                <a:cs typeface="Times New Roman" panose="02020603050405020304" pitchFamily="18" charset="0"/>
+              </a:rPr>
+              <a:t> Network),</a:t>
+            </a:r>
           </a:p>
         </p:txBody>
       </p:sp>
     </p:spTree>
     <p:extLst>
       <p:ext uri="{BB962C8B-B14F-4D97-AF65-F5344CB8AC3E}">
-        <p14:creationId xmlns:p14="http://schemas.microsoft.com/office/powerpoint/2010/main" val="2494027835"/>
+        <p14:creationId xmlns:p14="http://schemas.microsoft.com/office/powerpoint/2010/main" val="1625021209"/>
       </p:ext>
     </p:extLst>
   </p:cSld>
   <p:clrMapOvr>
     <a:masterClrMapping/>
   </p:clrMapOvr>
-  <mc:AlternateContent xmlns:mc="http://schemas.openxmlformats.org/markup-compatibility/2006">
-    <mc:Choice xmlns:p159="http://schemas.microsoft.com/office/powerpoint/2015/09/main" Requires="p159">
+  <mc:AlternateContent xmlns:mc="http://schemas.openxmlformats.org/markup-compatibility/2006" xmlns:p159="http://schemas.microsoft.com/office/powerpoint/2015/09/main">
+    <mc:Choice Requires="p159">
       <p:transition xmlns:p14="http://schemas.microsoft.com/office/powerpoint/2010/main" spd="slow" p14:dur="2000">
         <p159:morph option="byObject"/>
       </p:transition>
     </mc:Choice>
-    <mc:Fallback>
+    <mc:Fallback xmlns="">
       <p:transition spd="slow">
         <p:fade/>
       </p:transition>
@@ -6068,7 +6835,7 @@
           <p:cNvPr id="2" name="Cím 1">
             <a:extLst>
               <a:ext uri="{FF2B5EF4-FFF2-40B4-BE49-F238E27FC236}">
-                <a16:creationId xmlns:a16="http://schemas.microsoft.com/office/drawing/2014/main" id="{9A51BC2E-D7A4-A882-4652-0965DA7C020E}"/>
+                <a16:creationId xmlns:a16="http://schemas.microsoft.com/office/drawing/2014/main" id="{9850F69A-C33D-4417-BD1D-4EA85A84AFA3}"/>
               </a:ext>
             </a:extLst>
           </p:cNvPr>
@@ -6085,9 +6852,15 @@
           <a:lstStyle/>
           <a:p>
             <a:r>
-              <a:rPr lang="hu-HU" dirty="0"/>
-              <a:t>Köszönjük a figyelmet!</a:t>
-            </a:r>
+              <a:rPr lang="hu-HU" b="1" dirty="0">
+                <a:latin typeface="Arial Black" panose="020B0A04020102020204" pitchFamily="34" charset="0"/>
+              </a:rPr>
+              <a:t>Csoportmunka felosztás</a:t>
+            </a:r>
+            <a:br>
+              <a:rPr lang="hu-HU" b="1" dirty="0"/>
+            </a:br>
+            <a:endParaRPr lang="hu-HU" dirty="0"/>
           </a:p>
         </p:txBody>
       </p:sp>
@@ -6096,7 +6869,7 @@
           <p:cNvPr id="3" name="Tartalom helye 2">
             <a:extLst>
               <a:ext uri="{FF2B5EF4-FFF2-40B4-BE49-F238E27FC236}">
-                <a16:creationId xmlns:a16="http://schemas.microsoft.com/office/drawing/2014/main" id="{BF390835-3143-623D-79D2-ABD0AD0EA8F7}"/>
+                <a16:creationId xmlns:a16="http://schemas.microsoft.com/office/drawing/2014/main" id="{111F7944-3311-4C2E-AC25-C82C0EC8185D}"/>
               </a:ext>
             </a:extLst>
           </p:cNvPr>
@@ -6107,25 +6880,277 @@
             <p:ph idx="1"/>
           </p:nvPr>
         </p:nvSpPr>
-        <p:spPr/>
-        <p:txBody>
-          <a:bodyPr/>
+        <p:spPr>
+          <a:xfrm>
+            <a:off x="581193" y="2739296"/>
+            <a:ext cx="11029615" cy="3678303"/>
+          </a:xfrm>
+        </p:spPr>
+        <p:txBody>
+          <a:bodyPr>
+            <a:normAutofit fontScale="62500" lnSpcReduction="20000"/>
+          </a:bodyPr>
           <a:lstStyle/>
           <a:p>
-            <a:endParaRPr lang="hu-HU"/>
+            <a:pPr marL="0" indent="0">
+              <a:buNone/>
+            </a:pPr>
+            <a:r>
+              <a:rPr lang="hu-HU" sz="3400" b="1" dirty="0">
+                <a:solidFill>
+                  <a:schemeClr val="tx1"/>
+                </a:solidFill>
+                <a:latin typeface="Times New Roman" panose="02020603050405020304" pitchFamily="18" charset="0"/>
+                <a:cs typeface="Times New Roman" panose="02020603050405020304" pitchFamily="18" charset="0"/>
+              </a:rPr>
+              <a:t>Berki Dorina</a:t>
+            </a:r>
+            <a:r>
+              <a:rPr lang="hu-HU" sz="2800" b="1" dirty="0">
+                <a:solidFill>
+                  <a:schemeClr val="tx1"/>
+                </a:solidFill>
+                <a:latin typeface="Times New Roman" panose="02020603050405020304" pitchFamily="18" charset="0"/>
+                <a:cs typeface="Times New Roman" panose="02020603050405020304" pitchFamily="18" charset="0"/>
+              </a:rPr>
+              <a:t>:</a:t>
+            </a:r>
+          </a:p>
+          <a:p>
+            <a:r>
+              <a:rPr lang="hu-HU" sz="2900" b="1" dirty="0">
+                <a:solidFill>
+                  <a:schemeClr val="tx1"/>
+                </a:solidFill>
+                <a:latin typeface="Times New Roman" panose="02020603050405020304" pitchFamily="18" charset="0"/>
+                <a:cs typeface="Times New Roman" panose="02020603050405020304" pitchFamily="18" charset="0"/>
+              </a:rPr>
+              <a:t>Linux kiszolgáló</a:t>
+            </a:r>
+            <a:r>
+              <a:rPr lang="hu-HU" sz="3400" b="1" dirty="0">
+                <a:solidFill>
+                  <a:schemeClr val="tx1"/>
+                </a:solidFill>
+                <a:latin typeface="Times New Roman" panose="02020603050405020304" pitchFamily="18" charset="0"/>
+                <a:cs typeface="Times New Roman" panose="02020603050405020304" pitchFamily="18" charset="0"/>
+              </a:rPr>
+              <a:t>:</a:t>
+            </a:r>
+            <a:r>
+              <a:rPr lang="hu-HU" sz="2900" b="1" dirty="0">
+                <a:solidFill>
+                  <a:schemeClr val="tx1"/>
+                </a:solidFill>
+                <a:latin typeface="Times New Roman" panose="02020603050405020304" pitchFamily="18" charset="0"/>
+                <a:cs typeface="Times New Roman" panose="02020603050405020304" pitchFamily="18" charset="0"/>
+              </a:rPr>
+              <a:t>DHCP,DNS</a:t>
+            </a:r>
+          </a:p>
+          <a:p>
+            <a:pPr marL="0" indent="0">
+              <a:buNone/>
+            </a:pPr>
+            <a:endParaRPr lang="hu-HU" sz="2000" b="1" dirty="0">
+              <a:solidFill>
+                <a:schemeClr val="tx1"/>
+              </a:solidFill>
+              <a:latin typeface="Times New Roman" panose="02020603050405020304" pitchFamily="18" charset="0"/>
+              <a:cs typeface="Times New Roman" panose="02020603050405020304" pitchFamily="18" charset="0"/>
+            </a:endParaRPr>
+          </a:p>
+          <a:p>
+            <a:pPr marL="0" indent="0">
+              <a:buNone/>
+            </a:pPr>
+            <a:r>
+              <a:rPr lang="hu-HU" sz="3400" b="1" dirty="0">
+                <a:solidFill>
+                  <a:schemeClr val="tx1"/>
+                </a:solidFill>
+                <a:latin typeface="Times New Roman" panose="02020603050405020304" pitchFamily="18" charset="0"/>
+                <a:cs typeface="Times New Roman" panose="02020603050405020304" pitchFamily="18" charset="0"/>
+              </a:rPr>
+              <a:t>Csépányi</a:t>
+            </a:r>
+            <a:r>
+              <a:rPr lang="hu-HU" sz="2800" dirty="0">
+                <a:solidFill>
+                  <a:schemeClr val="tx1"/>
+                </a:solidFill>
+                <a:latin typeface="Times New Roman" panose="02020603050405020304" pitchFamily="18" charset="0"/>
+                <a:cs typeface="Times New Roman" panose="02020603050405020304" pitchFamily="18" charset="0"/>
+              </a:rPr>
+              <a:t>-</a:t>
+            </a:r>
+            <a:r>
+              <a:rPr lang="hu-HU" sz="3400" b="1" dirty="0">
+                <a:solidFill>
+                  <a:schemeClr val="tx1"/>
+                </a:solidFill>
+                <a:latin typeface="Times New Roman" panose="02020603050405020304" pitchFamily="18" charset="0"/>
+                <a:cs typeface="Times New Roman" panose="02020603050405020304" pitchFamily="18" charset="0"/>
+              </a:rPr>
+              <a:t>Bárdos Letícia:</a:t>
+            </a:r>
+            <a:r>
+              <a:rPr lang="hu-HU" sz="3400" b="1" dirty="0"/>
+              <a:t> </a:t>
+            </a:r>
+            <a:endParaRPr lang="hu-HU" sz="3400" dirty="0"/>
+          </a:p>
+          <a:p>
+            <a:pPr lvl="0"/>
+            <a:r>
+              <a:rPr lang="hu-HU" sz="2900" b="1" dirty="0">
+                <a:solidFill>
+                  <a:schemeClr val="tx1"/>
+                </a:solidFill>
+                <a:latin typeface="Times New Roman" panose="02020603050405020304" pitchFamily="18" charset="0"/>
+                <a:cs typeface="Times New Roman" panose="02020603050405020304" pitchFamily="18" charset="0"/>
+              </a:rPr>
+              <a:t>Dokumentáció,</a:t>
+            </a:r>
+          </a:p>
+          <a:p>
+            <a:pPr lvl="0"/>
+            <a:r>
+              <a:rPr lang="hu-HU" sz="2900" b="1" dirty="0">
+                <a:solidFill>
+                  <a:schemeClr val="tx1"/>
+                </a:solidFill>
+                <a:latin typeface="Times New Roman" panose="02020603050405020304" pitchFamily="18" charset="0"/>
+                <a:cs typeface="Times New Roman" panose="02020603050405020304" pitchFamily="18" charset="0"/>
+              </a:rPr>
+              <a:t>Magyar nyelvű prezentáció</a:t>
+            </a:r>
+            <a:r>
+              <a:rPr lang="hu-HU" sz="2900" dirty="0">
+                <a:solidFill>
+                  <a:schemeClr val="tx1"/>
+                </a:solidFill>
+                <a:latin typeface="Times New Roman" panose="02020603050405020304" pitchFamily="18" charset="0"/>
+                <a:cs typeface="Times New Roman" panose="02020603050405020304" pitchFamily="18" charset="0"/>
+              </a:rPr>
+              <a:t>, </a:t>
+            </a:r>
+          </a:p>
+          <a:p>
+            <a:pPr lvl="0"/>
+            <a:endParaRPr lang="hu-HU" b="1" dirty="0">
+              <a:solidFill>
+                <a:schemeClr val="tx1"/>
+              </a:solidFill>
+            </a:endParaRPr>
+          </a:p>
+          <a:p>
+            <a:pPr marL="0" indent="0">
+              <a:buNone/>
+            </a:pPr>
+            <a:r>
+              <a:rPr lang="hu-HU" sz="3400" b="1" dirty="0">
+                <a:solidFill>
+                  <a:schemeClr val="tx1"/>
+                </a:solidFill>
+                <a:latin typeface="Times New Roman" panose="02020603050405020304" pitchFamily="18" charset="0"/>
+                <a:cs typeface="Times New Roman" panose="02020603050405020304" pitchFamily="18" charset="0"/>
+              </a:rPr>
+              <a:t>Budai József:</a:t>
+            </a:r>
+            <a:endParaRPr lang="hu-HU" sz="3400" dirty="0"/>
+          </a:p>
+          <a:p>
+            <a:pPr lvl="0"/>
+            <a:r>
+              <a:rPr lang="hu-HU" sz="2900" b="1" dirty="0">
+                <a:solidFill>
+                  <a:schemeClr val="tx1"/>
+                </a:solidFill>
+                <a:latin typeface="Times New Roman" panose="02020603050405020304" pitchFamily="18" charset="0"/>
+                <a:cs typeface="Times New Roman" panose="02020603050405020304" pitchFamily="18" charset="0"/>
+              </a:rPr>
+              <a:t>Hálózati topológia elkészítése,programozása,</a:t>
+            </a:r>
+          </a:p>
+          <a:p>
+            <a:pPr lvl="0"/>
+            <a:r>
+              <a:rPr lang="hu-HU" sz="2900" b="1" dirty="0">
+                <a:solidFill>
+                  <a:schemeClr val="tx1"/>
+                </a:solidFill>
+                <a:latin typeface="Times New Roman" panose="02020603050405020304" pitchFamily="18" charset="0"/>
+                <a:cs typeface="Times New Roman" panose="02020603050405020304" pitchFamily="18" charset="0"/>
+              </a:rPr>
+              <a:t>Angol nyelvű prezentáció</a:t>
+            </a:r>
+            <a:r>
+              <a:rPr lang="hu-HU" sz="2000" b="1" dirty="0">
+                <a:solidFill>
+                  <a:schemeClr val="tx1"/>
+                </a:solidFill>
+                <a:latin typeface="Times New Roman" panose="02020603050405020304" pitchFamily="18" charset="0"/>
+                <a:cs typeface="Times New Roman" panose="02020603050405020304" pitchFamily="18" charset="0"/>
+              </a:rPr>
+              <a:t>.</a:t>
+            </a:r>
+            <a:endParaRPr lang="hu-HU" sz="2000" dirty="0">
+              <a:solidFill>
+                <a:schemeClr val="tx1"/>
+              </a:solidFill>
+              <a:latin typeface="Times New Roman" panose="02020603050405020304" pitchFamily="18" charset="0"/>
+              <a:cs typeface="Times New Roman" panose="02020603050405020304" pitchFamily="18" charset="0"/>
+            </a:endParaRPr>
+          </a:p>
+          <a:p>
+            <a:pPr marL="0" indent="0">
+              <a:buNone/>
+            </a:pPr>
+            <a:endParaRPr lang="hu-HU" sz="2000" b="1" dirty="0">
+              <a:solidFill>
+                <a:schemeClr val="tx1"/>
+              </a:solidFill>
+              <a:latin typeface="Times New Roman" panose="02020603050405020304" pitchFamily="18" charset="0"/>
+              <a:cs typeface="Times New Roman" panose="02020603050405020304" pitchFamily="18" charset="0"/>
+            </a:endParaRPr>
+          </a:p>
+          <a:p>
+            <a:pPr marL="0" indent="0">
+              <a:buNone/>
+            </a:pPr>
+            <a:endParaRPr lang="hu-HU" sz="2000" b="1" dirty="0">
+              <a:solidFill>
+                <a:schemeClr val="tx1"/>
+              </a:solidFill>
+              <a:latin typeface="Times New Roman" panose="02020603050405020304" pitchFamily="18" charset="0"/>
+              <a:cs typeface="Times New Roman" panose="02020603050405020304" pitchFamily="18" charset="0"/>
+            </a:endParaRPr>
           </a:p>
         </p:txBody>
       </p:sp>
     </p:spTree>
     <p:extLst>
       <p:ext uri="{BB962C8B-B14F-4D97-AF65-F5344CB8AC3E}">
-        <p14:creationId xmlns:p14="http://schemas.microsoft.com/office/powerpoint/2010/main" val="1768774079"/>
+        <p14:creationId xmlns:p14="http://schemas.microsoft.com/office/powerpoint/2010/main" val="2494027835"/>
       </p:ext>
     </p:extLst>
   </p:cSld>
   <p:clrMapOvr>
     <a:masterClrMapping/>
   </p:clrMapOvr>
+  <mc:AlternateContent xmlns:mc="http://schemas.openxmlformats.org/markup-compatibility/2006" xmlns:p159="http://schemas.microsoft.com/office/powerpoint/2015/09/main">
+    <mc:Choice Requires="p159">
+      <p:transition xmlns:p14="http://schemas.microsoft.com/office/powerpoint/2010/main" spd="slow" p14:dur="2000">
+        <p159:morph option="byObject"/>
+      </p:transition>
+    </mc:Choice>
+    <mc:Fallback xmlns="">
+      <p:transition spd="slow">
+        <p:fade/>
+      </p:transition>
+    </mc:Fallback>
+  </mc:AlternateContent>
 </p:sld>
 </file>
 
